--- a/pics/2020-03-25-hypothesis/pics.pptx
+++ b/pics/2020-03-25-hypothesis/pics.pptx
@@ -6,6 +6,7 @@
   </p:sldMasterIdLst>
   <p:sldIdLst>
     <p:sldId id="256" r:id="rId2"/>
+    <p:sldId id="257" r:id="rId3"/>
   </p:sldIdLst>
   <p:sldSz cx="12192000" cy="6858000"/>
   <p:notesSz cx="6858000" cy="9144000"/>
@@ -3845,6 +3846,4673 @@
     <p:extLst>
       <p:ext uri="{BB962C8B-B14F-4D97-AF65-F5344CB8AC3E}">
         <p14:creationId xmlns:p14="http://schemas.microsoft.com/office/powerpoint/2010/main" val="3407427171"/>
+      </p:ext>
+    </p:extLst>
+  </p:cSld>
+  <p:clrMapOvr>
+    <a:masterClrMapping/>
+  </p:clrMapOvr>
+</p:sld>
+</file>
+
+<file path=ppt/slides/slide2.xml><?xml version="1.0" encoding="utf-8"?>
+<p:sld xmlns:a="http://schemas.openxmlformats.org/drawingml/2006/main" xmlns:r="http://schemas.openxmlformats.org/officeDocument/2006/relationships" xmlns:p="http://schemas.openxmlformats.org/presentationml/2006/main">
+  <p:cSld>
+    <p:spTree>
+      <p:nvGrpSpPr>
+        <p:cNvPr id="1" name=""/>
+        <p:cNvGrpSpPr/>
+        <p:nvPr/>
+      </p:nvGrpSpPr>
+      <p:grpSpPr>
+        <a:xfrm>
+          <a:off x="0" y="0"/>
+          <a:ext cx="0" cy="0"/>
+          <a:chOff x="0" y="0"/>
+          <a:chExt cx="0" cy="0"/>
+        </a:xfrm>
+      </p:grpSpPr>
+      <p:cxnSp>
+        <p:nvCxnSpPr>
+          <p:cNvPr id="5" name="직선 화살표 연결선 4">
+            <a:extLst>
+              <a:ext uri="{FF2B5EF4-FFF2-40B4-BE49-F238E27FC236}">
+                <a16:creationId xmlns:a16="http://schemas.microsoft.com/office/drawing/2014/main" id="{1590F006-0C3B-4CCD-AFCE-A4A618BCDBE5}"/>
+              </a:ext>
+            </a:extLst>
+          </p:cNvPr>
+          <p:cNvCxnSpPr/>
+          <p:nvPr/>
+        </p:nvCxnSpPr>
+        <p:spPr>
+          <a:xfrm>
+            <a:off x="1580225" y="4447713"/>
+            <a:ext cx="8451542" cy="0"/>
+          </a:xfrm>
+          <a:prstGeom prst="straightConnector1">
+            <a:avLst/>
+          </a:prstGeom>
+          <a:ln>
+            <a:solidFill>
+              <a:schemeClr val="tx1"/>
+            </a:solidFill>
+            <a:tailEnd type="triangle"/>
+          </a:ln>
+        </p:spPr>
+        <p:style>
+          <a:lnRef idx="1">
+            <a:schemeClr val="accent1"/>
+          </a:lnRef>
+          <a:fillRef idx="0">
+            <a:schemeClr val="accent1"/>
+          </a:fillRef>
+          <a:effectRef idx="0">
+            <a:schemeClr val="accent1"/>
+          </a:effectRef>
+          <a:fontRef idx="minor">
+            <a:schemeClr val="tx1"/>
+          </a:fontRef>
+        </p:style>
+      </p:cxnSp>
+      <p:cxnSp>
+        <p:nvCxnSpPr>
+          <p:cNvPr id="7" name="직선 연결선 6">
+            <a:extLst>
+              <a:ext uri="{FF2B5EF4-FFF2-40B4-BE49-F238E27FC236}">
+                <a16:creationId xmlns:a16="http://schemas.microsoft.com/office/drawing/2014/main" id="{35995881-D948-432A-9B3C-8EDFA83CB3E3}"/>
+              </a:ext>
+            </a:extLst>
+          </p:cNvPr>
+          <p:cNvCxnSpPr/>
+          <p:nvPr/>
+        </p:nvCxnSpPr>
+        <p:spPr>
+          <a:xfrm>
+            <a:off x="3443734" y="2192784"/>
+            <a:ext cx="0" cy="2443408"/>
+          </a:xfrm>
+          <a:prstGeom prst="line">
+            <a:avLst/>
+          </a:prstGeom>
+          <a:ln w="19050">
+            <a:solidFill>
+              <a:schemeClr val="accent1"/>
+            </a:solidFill>
+            <a:prstDash val="dash"/>
+          </a:ln>
+        </p:spPr>
+        <p:style>
+          <a:lnRef idx="1">
+            <a:schemeClr val="accent1"/>
+          </a:lnRef>
+          <a:fillRef idx="0">
+            <a:schemeClr val="accent1"/>
+          </a:fillRef>
+          <a:effectRef idx="0">
+            <a:schemeClr val="accent1"/>
+          </a:effectRef>
+          <a:fontRef idx="minor">
+            <a:schemeClr val="tx1"/>
+          </a:fontRef>
+        </p:style>
+      </p:cxnSp>
+      <p:cxnSp>
+        <p:nvCxnSpPr>
+          <p:cNvPr id="8" name="직선 연결선 7">
+            <a:extLst>
+              <a:ext uri="{FF2B5EF4-FFF2-40B4-BE49-F238E27FC236}">
+                <a16:creationId xmlns:a16="http://schemas.microsoft.com/office/drawing/2014/main" id="{BFB1E644-6103-44DC-9A40-43374B0050B5}"/>
+              </a:ext>
+            </a:extLst>
+          </p:cNvPr>
+          <p:cNvCxnSpPr/>
+          <p:nvPr/>
+        </p:nvCxnSpPr>
+        <p:spPr>
+          <a:xfrm>
+            <a:off x="7601850" y="2192784"/>
+            <a:ext cx="0" cy="2443408"/>
+          </a:xfrm>
+          <a:prstGeom prst="line">
+            <a:avLst/>
+          </a:prstGeom>
+          <a:ln w="19050">
+            <a:solidFill>
+              <a:srgbClr val="FF0000"/>
+            </a:solidFill>
+            <a:prstDash val="dash"/>
+          </a:ln>
+        </p:spPr>
+        <p:style>
+          <a:lnRef idx="1">
+            <a:schemeClr val="accent1"/>
+          </a:lnRef>
+          <a:fillRef idx="0">
+            <a:schemeClr val="accent1"/>
+          </a:fillRef>
+          <a:effectRef idx="0">
+            <a:schemeClr val="accent1"/>
+          </a:effectRef>
+          <a:fontRef idx="minor">
+            <a:schemeClr val="tx1"/>
+          </a:fontRef>
+        </p:style>
+      </p:cxnSp>
+      <p:sp>
+        <p:nvSpPr>
+          <p:cNvPr id="9" name="타원 8">
+            <a:extLst>
+              <a:ext uri="{FF2B5EF4-FFF2-40B4-BE49-F238E27FC236}">
+                <a16:creationId xmlns:a16="http://schemas.microsoft.com/office/drawing/2014/main" id="{C98ED17A-5C30-4748-AFDF-0118EB4067C4}"/>
+              </a:ext>
+            </a:extLst>
+          </p:cNvPr>
+          <p:cNvSpPr/>
+          <p:nvPr/>
+        </p:nvSpPr>
+        <p:spPr>
+          <a:xfrm>
+            <a:off x="3568829" y="4216899"/>
+            <a:ext cx="230814" cy="230814"/>
+          </a:xfrm>
+          <a:prstGeom prst="ellipse">
+            <a:avLst/>
+          </a:prstGeom>
+          <a:solidFill>
+            <a:schemeClr val="bg1">
+              <a:lumMod val="85000"/>
+            </a:schemeClr>
+          </a:solidFill>
+          <a:ln>
+            <a:solidFill>
+              <a:schemeClr val="tx1"/>
+            </a:solidFill>
+          </a:ln>
+        </p:spPr>
+        <p:style>
+          <a:lnRef idx="2">
+            <a:schemeClr val="accent1">
+              <a:shade val="50000"/>
+            </a:schemeClr>
+          </a:lnRef>
+          <a:fillRef idx="1">
+            <a:schemeClr val="accent1"/>
+          </a:fillRef>
+          <a:effectRef idx="0">
+            <a:schemeClr val="accent1"/>
+          </a:effectRef>
+          <a:fontRef idx="minor">
+            <a:schemeClr val="lt1"/>
+          </a:fontRef>
+        </p:style>
+        <p:txBody>
+          <a:bodyPr rtlCol="0" anchor="ctr"/>
+          <a:lstStyle/>
+          <a:p>
+            <a:pPr algn="ctr"/>
+            <a:endParaRPr lang="ko-KR" altLang="en-US"/>
+          </a:p>
+        </p:txBody>
+      </p:sp>
+      <p:sp>
+        <p:nvSpPr>
+          <p:cNvPr id="10" name="타원 9">
+            <a:extLst>
+              <a:ext uri="{FF2B5EF4-FFF2-40B4-BE49-F238E27FC236}">
+                <a16:creationId xmlns:a16="http://schemas.microsoft.com/office/drawing/2014/main" id="{4E6972A4-1084-4DBE-B2F3-A568E48A68CB}"/>
+              </a:ext>
+            </a:extLst>
+          </p:cNvPr>
+          <p:cNvSpPr/>
+          <p:nvPr/>
+        </p:nvSpPr>
+        <p:spPr>
+          <a:xfrm>
+            <a:off x="3799643" y="4216899"/>
+            <a:ext cx="230814" cy="230814"/>
+          </a:xfrm>
+          <a:prstGeom prst="ellipse">
+            <a:avLst/>
+          </a:prstGeom>
+          <a:solidFill>
+            <a:schemeClr val="bg1">
+              <a:lumMod val="85000"/>
+            </a:schemeClr>
+          </a:solidFill>
+          <a:ln>
+            <a:solidFill>
+              <a:schemeClr val="tx1"/>
+            </a:solidFill>
+          </a:ln>
+        </p:spPr>
+        <p:style>
+          <a:lnRef idx="2">
+            <a:schemeClr val="accent1">
+              <a:shade val="50000"/>
+            </a:schemeClr>
+          </a:lnRef>
+          <a:fillRef idx="1">
+            <a:schemeClr val="accent1"/>
+          </a:fillRef>
+          <a:effectRef idx="0">
+            <a:schemeClr val="accent1"/>
+          </a:effectRef>
+          <a:fontRef idx="minor">
+            <a:schemeClr val="lt1"/>
+          </a:fontRef>
+        </p:style>
+        <p:txBody>
+          <a:bodyPr rtlCol="0" anchor="ctr"/>
+          <a:lstStyle/>
+          <a:p>
+            <a:pPr algn="ctr"/>
+            <a:endParaRPr lang="ko-KR" altLang="en-US"/>
+          </a:p>
+        </p:txBody>
+      </p:sp>
+      <p:sp>
+        <p:nvSpPr>
+          <p:cNvPr id="11" name="타원 10">
+            <a:extLst>
+              <a:ext uri="{FF2B5EF4-FFF2-40B4-BE49-F238E27FC236}">
+                <a16:creationId xmlns:a16="http://schemas.microsoft.com/office/drawing/2014/main" id="{635F2764-C8DE-4636-947D-3CD533665756}"/>
+              </a:ext>
+            </a:extLst>
+          </p:cNvPr>
+          <p:cNvSpPr/>
+          <p:nvPr/>
+        </p:nvSpPr>
+        <p:spPr>
+          <a:xfrm>
+            <a:off x="3107201" y="4216899"/>
+            <a:ext cx="230814" cy="230814"/>
+          </a:xfrm>
+          <a:prstGeom prst="ellipse">
+            <a:avLst/>
+          </a:prstGeom>
+          <a:solidFill>
+            <a:schemeClr val="bg1">
+              <a:lumMod val="85000"/>
+            </a:schemeClr>
+          </a:solidFill>
+          <a:ln>
+            <a:solidFill>
+              <a:schemeClr val="tx1"/>
+            </a:solidFill>
+          </a:ln>
+        </p:spPr>
+        <p:style>
+          <a:lnRef idx="2">
+            <a:schemeClr val="accent1">
+              <a:shade val="50000"/>
+            </a:schemeClr>
+          </a:lnRef>
+          <a:fillRef idx="1">
+            <a:schemeClr val="accent1"/>
+          </a:fillRef>
+          <a:effectRef idx="0">
+            <a:schemeClr val="accent1"/>
+          </a:effectRef>
+          <a:fontRef idx="minor">
+            <a:schemeClr val="lt1"/>
+          </a:fontRef>
+        </p:style>
+        <p:txBody>
+          <a:bodyPr rtlCol="0" anchor="ctr"/>
+          <a:lstStyle/>
+          <a:p>
+            <a:pPr algn="ctr"/>
+            <a:endParaRPr lang="ko-KR" altLang="en-US"/>
+          </a:p>
+        </p:txBody>
+      </p:sp>
+      <p:sp>
+        <p:nvSpPr>
+          <p:cNvPr id="12" name="타원 11">
+            <a:extLst>
+              <a:ext uri="{FF2B5EF4-FFF2-40B4-BE49-F238E27FC236}">
+                <a16:creationId xmlns:a16="http://schemas.microsoft.com/office/drawing/2014/main" id="{ED8CF5CA-2F63-437F-9957-1057908CAA96}"/>
+              </a:ext>
+            </a:extLst>
+          </p:cNvPr>
+          <p:cNvSpPr/>
+          <p:nvPr/>
+        </p:nvSpPr>
+        <p:spPr>
+          <a:xfrm>
+            <a:off x="3338015" y="4216899"/>
+            <a:ext cx="230814" cy="230814"/>
+          </a:xfrm>
+          <a:prstGeom prst="ellipse">
+            <a:avLst/>
+          </a:prstGeom>
+          <a:solidFill>
+            <a:schemeClr val="bg1">
+              <a:lumMod val="85000"/>
+            </a:schemeClr>
+          </a:solidFill>
+          <a:ln>
+            <a:solidFill>
+              <a:schemeClr val="tx1"/>
+            </a:solidFill>
+          </a:ln>
+        </p:spPr>
+        <p:style>
+          <a:lnRef idx="2">
+            <a:schemeClr val="accent1">
+              <a:shade val="50000"/>
+            </a:schemeClr>
+          </a:lnRef>
+          <a:fillRef idx="1">
+            <a:schemeClr val="accent1"/>
+          </a:fillRef>
+          <a:effectRef idx="0">
+            <a:schemeClr val="accent1"/>
+          </a:effectRef>
+          <a:fontRef idx="minor">
+            <a:schemeClr val="lt1"/>
+          </a:fontRef>
+        </p:style>
+        <p:txBody>
+          <a:bodyPr rtlCol="0" anchor="ctr"/>
+          <a:lstStyle/>
+          <a:p>
+            <a:pPr algn="ctr"/>
+            <a:endParaRPr lang="ko-KR" altLang="en-US"/>
+          </a:p>
+        </p:txBody>
+      </p:sp>
+      <p:sp>
+        <p:nvSpPr>
+          <p:cNvPr id="13" name="타원 12">
+            <a:extLst>
+              <a:ext uri="{FF2B5EF4-FFF2-40B4-BE49-F238E27FC236}">
+                <a16:creationId xmlns:a16="http://schemas.microsoft.com/office/drawing/2014/main" id="{857D63E4-B8AE-42BA-B59D-B667600A965E}"/>
+              </a:ext>
+            </a:extLst>
+          </p:cNvPr>
+          <p:cNvSpPr/>
+          <p:nvPr/>
+        </p:nvSpPr>
+        <p:spPr>
+          <a:xfrm>
+            <a:off x="4492085" y="4216899"/>
+            <a:ext cx="230814" cy="230814"/>
+          </a:xfrm>
+          <a:prstGeom prst="ellipse">
+            <a:avLst/>
+          </a:prstGeom>
+          <a:solidFill>
+            <a:schemeClr val="bg1">
+              <a:lumMod val="85000"/>
+            </a:schemeClr>
+          </a:solidFill>
+          <a:ln>
+            <a:solidFill>
+              <a:schemeClr val="tx1"/>
+            </a:solidFill>
+          </a:ln>
+        </p:spPr>
+        <p:style>
+          <a:lnRef idx="2">
+            <a:schemeClr val="accent1">
+              <a:shade val="50000"/>
+            </a:schemeClr>
+          </a:lnRef>
+          <a:fillRef idx="1">
+            <a:schemeClr val="accent1"/>
+          </a:fillRef>
+          <a:effectRef idx="0">
+            <a:schemeClr val="accent1"/>
+          </a:effectRef>
+          <a:fontRef idx="minor">
+            <a:schemeClr val="lt1"/>
+          </a:fontRef>
+        </p:style>
+        <p:txBody>
+          <a:bodyPr rtlCol="0" anchor="ctr"/>
+          <a:lstStyle/>
+          <a:p>
+            <a:pPr algn="ctr"/>
+            <a:endParaRPr lang="ko-KR" altLang="en-US"/>
+          </a:p>
+        </p:txBody>
+      </p:sp>
+      <p:sp>
+        <p:nvSpPr>
+          <p:cNvPr id="14" name="타원 13">
+            <a:extLst>
+              <a:ext uri="{FF2B5EF4-FFF2-40B4-BE49-F238E27FC236}">
+                <a16:creationId xmlns:a16="http://schemas.microsoft.com/office/drawing/2014/main" id="{5EEFF5F9-0FE0-4CFD-8235-A00E2054F00F}"/>
+              </a:ext>
+            </a:extLst>
+          </p:cNvPr>
+          <p:cNvSpPr/>
+          <p:nvPr/>
+        </p:nvSpPr>
+        <p:spPr>
+          <a:xfrm>
+            <a:off x="2876387" y="4216899"/>
+            <a:ext cx="230814" cy="230814"/>
+          </a:xfrm>
+          <a:prstGeom prst="ellipse">
+            <a:avLst/>
+          </a:prstGeom>
+          <a:solidFill>
+            <a:schemeClr val="accent1"/>
+          </a:solidFill>
+          <a:ln>
+            <a:solidFill>
+              <a:schemeClr val="tx1"/>
+            </a:solidFill>
+          </a:ln>
+        </p:spPr>
+        <p:style>
+          <a:lnRef idx="2">
+            <a:schemeClr val="accent1">
+              <a:shade val="50000"/>
+            </a:schemeClr>
+          </a:lnRef>
+          <a:fillRef idx="1">
+            <a:schemeClr val="accent1"/>
+          </a:fillRef>
+          <a:effectRef idx="0">
+            <a:schemeClr val="accent1"/>
+          </a:effectRef>
+          <a:fontRef idx="minor">
+            <a:schemeClr val="lt1"/>
+          </a:fontRef>
+        </p:style>
+        <p:txBody>
+          <a:bodyPr rtlCol="0" anchor="ctr"/>
+          <a:lstStyle/>
+          <a:p>
+            <a:pPr algn="ctr"/>
+            <a:endParaRPr lang="ko-KR" altLang="en-US"/>
+          </a:p>
+        </p:txBody>
+      </p:sp>
+      <p:sp>
+        <p:nvSpPr>
+          <p:cNvPr id="15" name="타원 14">
+            <a:extLst>
+              <a:ext uri="{FF2B5EF4-FFF2-40B4-BE49-F238E27FC236}">
+                <a16:creationId xmlns:a16="http://schemas.microsoft.com/office/drawing/2014/main" id="{DB8DD769-9DB0-4164-B0CD-80ACEC9D42D7}"/>
+              </a:ext>
+            </a:extLst>
+          </p:cNvPr>
+          <p:cNvSpPr/>
+          <p:nvPr/>
+        </p:nvSpPr>
+        <p:spPr>
+          <a:xfrm>
+            <a:off x="4030457" y="4216899"/>
+            <a:ext cx="230814" cy="230814"/>
+          </a:xfrm>
+          <a:prstGeom prst="ellipse">
+            <a:avLst/>
+          </a:prstGeom>
+          <a:solidFill>
+            <a:schemeClr val="bg1">
+              <a:lumMod val="85000"/>
+            </a:schemeClr>
+          </a:solidFill>
+          <a:ln>
+            <a:solidFill>
+              <a:schemeClr val="tx1"/>
+            </a:solidFill>
+          </a:ln>
+        </p:spPr>
+        <p:style>
+          <a:lnRef idx="2">
+            <a:schemeClr val="accent1">
+              <a:shade val="50000"/>
+            </a:schemeClr>
+          </a:lnRef>
+          <a:fillRef idx="1">
+            <a:schemeClr val="accent1"/>
+          </a:fillRef>
+          <a:effectRef idx="0">
+            <a:schemeClr val="accent1"/>
+          </a:effectRef>
+          <a:fontRef idx="minor">
+            <a:schemeClr val="lt1"/>
+          </a:fontRef>
+        </p:style>
+        <p:txBody>
+          <a:bodyPr rtlCol="0" anchor="ctr"/>
+          <a:lstStyle/>
+          <a:p>
+            <a:pPr algn="ctr"/>
+            <a:endParaRPr lang="ko-KR" altLang="en-US"/>
+          </a:p>
+        </p:txBody>
+      </p:sp>
+      <p:sp>
+        <p:nvSpPr>
+          <p:cNvPr id="16" name="타원 15">
+            <a:extLst>
+              <a:ext uri="{FF2B5EF4-FFF2-40B4-BE49-F238E27FC236}">
+                <a16:creationId xmlns:a16="http://schemas.microsoft.com/office/drawing/2014/main" id="{078E9C3F-39ED-487A-966A-A49238CEF09B}"/>
+              </a:ext>
+            </a:extLst>
+          </p:cNvPr>
+          <p:cNvSpPr/>
+          <p:nvPr/>
+        </p:nvSpPr>
+        <p:spPr>
+          <a:xfrm>
+            <a:off x="4261271" y="4216899"/>
+            <a:ext cx="230814" cy="230814"/>
+          </a:xfrm>
+          <a:prstGeom prst="ellipse">
+            <a:avLst/>
+          </a:prstGeom>
+          <a:solidFill>
+            <a:schemeClr val="bg1">
+              <a:lumMod val="85000"/>
+            </a:schemeClr>
+          </a:solidFill>
+          <a:ln>
+            <a:solidFill>
+              <a:schemeClr val="tx1"/>
+            </a:solidFill>
+          </a:ln>
+        </p:spPr>
+        <p:style>
+          <a:lnRef idx="2">
+            <a:schemeClr val="accent1">
+              <a:shade val="50000"/>
+            </a:schemeClr>
+          </a:lnRef>
+          <a:fillRef idx="1">
+            <a:schemeClr val="accent1"/>
+          </a:fillRef>
+          <a:effectRef idx="0">
+            <a:schemeClr val="accent1"/>
+          </a:effectRef>
+          <a:fontRef idx="minor">
+            <a:schemeClr val="lt1"/>
+          </a:fontRef>
+        </p:style>
+        <p:txBody>
+          <a:bodyPr rtlCol="0" anchor="ctr"/>
+          <a:lstStyle/>
+          <a:p>
+            <a:pPr algn="ctr"/>
+            <a:endParaRPr lang="ko-KR" altLang="en-US"/>
+          </a:p>
+        </p:txBody>
+      </p:sp>
+      <p:sp>
+        <p:nvSpPr>
+          <p:cNvPr id="17" name="타원 16">
+            <a:extLst>
+              <a:ext uri="{FF2B5EF4-FFF2-40B4-BE49-F238E27FC236}">
+                <a16:creationId xmlns:a16="http://schemas.microsoft.com/office/drawing/2014/main" id="{A4E07E53-59AD-4D84-909B-ABCF78355953}"/>
+              </a:ext>
+            </a:extLst>
+          </p:cNvPr>
+          <p:cNvSpPr/>
+          <p:nvPr/>
+        </p:nvSpPr>
+        <p:spPr>
+          <a:xfrm>
+            <a:off x="3107200" y="3986084"/>
+            <a:ext cx="230814" cy="230814"/>
+          </a:xfrm>
+          <a:prstGeom prst="ellipse">
+            <a:avLst/>
+          </a:prstGeom>
+          <a:solidFill>
+            <a:schemeClr val="bg1">
+              <a:lumMod val="85000"/>
+            </a:schemeClr>
+          </a:solidFill>
+          <a:ln>
+            <a:solidFill>
+              <a:schemeClr val="tx1"/>
+            </a:solidFill>
+          </a:ln>
+        </p:spPr>
+        <p:style>
+          <a:lnRef idx="2">
+            <a:schemeClr val="accent1">
+              <a:shade val="50000"/>
+            </a:schemeClr>
+          </a:lnRef>
+          <a:fillRef idx="1">
+            <a:schemeClr val="accent1"/>
+          </a:fillRef>
+          <a:effectRef idx="0">
+            <a:schemeClr val="accent1"/>
+          </a:effectRef>
+          <a:fontRef idx="minor">
+            <a:schemeClr val="lt1"/>
+          </a:fontRef>
+        </p:style>
+        <p:txBody>
+          <a:bodyPr rtlCol="0" anchor="ctr"/>
+          <a:lstStyle/>
+          <a:p>
+            <a:pPr algn="ctr"/>
+            <a:endParaRPr lang="ko-KR" altLang="en-US"/>
+          </a:p>
+        </p:txBody>
+      </p:sp>
+      <p:sp>
+        <p:nvSpPr>
+          <p:cNvPr id="18" name="타원 17">
+            <a:extLst>
+              <a:ext uri="{FF2B5EF4-FFF2-40B4-BE49-F238E27FC236}">
+                <a16:creationId xmlns:a16="http://schemas.microsoft.com/office/drawing/2014/main" id="{49D87573-4C99-499C-9A7A-2DC8C0467021}"/>
+              </a:ext>
+            </a:extLst>
+          </p:cNvPr>
+          <p:cNvSpPr/>
+          <p:nvPr/>
+        </p:nvSpPr>
+        <p:spPr>
+          <a:xfrm>
+            <a:off x="3568829" y="3986085"/>
+            <a:ext cx="230814" cy="230814"/>
+          </a:xfrm>
+          <a:prstGeom prst="ellipse">
+            <a:avLst/>
+          </a:prstGeom>
+          <a:solidFill>
+            <a:schemeClr val="bg1">
+              <a:lumMod val="85000"/>
+            </a:schemeClr>
+          </a:solidFill>
+          <a:ln>
+            <a:solidFill>
+              <a:schemeClr val="tx1"/>
+            </a:solidFill>
+          </a:ln>
+        </p:spPr>
+        <p:style>
+          <a:lnRef idx="2">
+            <a:schemeClr val="accent1">
+              <a:shade val="50000"/>
+            </a:schemeClr>
+          </a:lnRef>
+          <a:fillRef idx="1">
+            <a:schemeClr val="accent1"/>
+          </a:fillRef>
+          <a:effectRef idx="0">
+            <a:schemeClr val="accent1"/>
+          </a:effectRef>
+          <a:fontRef idx="minor">
+            <a:schemeClr val="lt1"/>
+          </a:fontRef>
+        </p:style>
+        <p:txBody>
+          <a:bodyPr rtlCol="0" anchor="ctr"/>
+          <a:lstStyle/>
+          <a:p>
+            <a:pPr algn="ctr"/>
+            <a:endParaRPr lang="ko-KR" altLang="en-US"/>
+          </a:p>
+        </p:txBody>
+      </p:sp>
+      <p:sp>
+        <p:nvSpPr>
+          <p:cNvPr id="19" name="타원 18">
+            <a:extLst>
+              <a:ext uri="{FF2B5EF4-FFF2-40B4-BE49-F238E27FC236}">
+                <a16:creationId xmlns:a16="http://schemas.microsoft.com/office/drawing/2014/main" id="{DD3E8A85-9EB3-467B-A87F-70F3D23D146A}"/>
+              </a:ext>
+            </a:extLst>
+          </p:cNvPr>
+          <p:cNvSpPr/>
+          <p:nvPr/>
+        </p:nvSpPr>
+        <p:spPr>
+          <a:xfrm>
+            <a:off x="3799643" y="3986085"/>
+            <a:ext cx="230814" cy="230814"/>
+          </a:xfrm>
+          <a:prstGeom prst="ellipse">
+            <a:avLst/>
+          </a:prstGeom>
+          <a:solidFill>
+            <a:schemeClr val="bg1">
+              <a:lumMod val="85000"/>
+            </a:schemeClr>
+          </a:solidFill>
+          <a:ln>
+            <a:solidFill>
+              <a:schemeClr val="tx1"/>
+            </a:solidFill>
+          </a:ln>
+        </p:spPr>
+        <p:style>
+          <a:lnRef idx="2">
+            <a:schemeClr val="accent1">
+              <a:shade val="50000"/>
+            </a:schemeClr>
+          </a:lnRef>
+          <a:fillRef idx="1">
+            <a:schemeClr val="accent1"/>
+          </a:fillRef>
+          <a:effectRef idx="0">
+            <a:schemeClr val="accent1"/>
+          </a:effectRef>
+          <a:fontRef idx="minor">
+            <a:schemeClr val="lt1"/>
+          </a:fontRef>
+        </p:style>
+        <p:txBody>
+          <a:bodyPr rtlCol="0" anchor="ctr"/>
+          <a:lstStyle/>
+          <a:p>
+            <a:pPr algn="ctr"/>
+            <a:endParaRPr lang="ko-KR" altLang="en-US"/>
+          </a:p>
+        </p:txBody>
+      </p:sp>
+      <p:sp>
+        <p:nvSpPr>
+          <p:cNvPr id="20" name="타원 19">
+            <a:extLst>
+              <a:ext uri="{FF2B5EF4-FFF2-40B4-BE49-F238E27FC236}">
+                <a16:creationId xmlns:a16="http://schemas.microsoft.com/office/drawing/2014/main" id="{683047FE-4B8F-4BE7-AA74-B52B4D06F535}"/>
+              </a:ext>
+            </a:extLst>
+          </p:cNvPr>
+          <p:cNvSpPr/>
+          <p:nvPr/>
+        </p:nvSpPr>
+        <p:spPr>
+          <a:xfrm>
+            <a:off x="3338015" y="3986085"/>
+            <a:ext cx="230814" cy="230814"/>
+          </a:xfrm>
+          <a:prstGeom prst="ellipse">
+            <a:avLst/>
+          </a:prstGeom>
+          <a:solidFill>
+            <a:schemeClr val="bg1">
+              <a:lumMod val="85000"/>
+            </a:schemeClr>
+          </a:solidFill>
+          <a:ln>
+            <a:solidFill>
+              <a:schemeClr val="tx1"/>
+            </a:solidFill>
+          </a:ln>
+        </p:spPr>
+        <p:style>
+          <a:lnRef idx="2">
+            <a:schemeClr val="accent1">
+              <a:shade val="50000"/>
+            </a:schemeClr>
+          </a:lnRef>
+          <a:fillRef idx="1">
+            <a:schemeClr val="accent1"/>
+          </a:fillRef>
+          <a:effectRef idx="0">
+            <a:schemeClr val="accent1"/>
+          </a:effectRef>
+          <a:fontRef idx="minor">
+            <a:schemeClr val="lt1"/>
+          </a:fontRef>
+        </p:style>
+        <p:txBody>
+          <a:bodyPr rtlCol="0" anchor="ctr"/>
+          <a:lstStyle/>
+          <a:p>
+            <a:pPr algn="ctr"/>
+            <a:endParaRPr lang="ko-KR" altLang="en-US"/>
+          </a:p>
+        </p:txBody>
+      </p:sp>
+      <p:sp>
+        <p:nvSpPr>
+          <p:cNvPr id="21" name="타원 20">
+            <a:extLst>
+              <a:ext uri="{FF2B5EF4-FFF2-40B4-BE49-F238E27FC236}">
+                <a16:creationId xmlns:a16="http://schemas.microsoft.com/office/drawing/2014/main" id="{A439A95E-6FF0-4009-8F7A-28545B48D1B3}"/>
+              </a:ext>
+            </a:extLst>
+          </p:cNvPr>
+          <p:cNvSpPr/>
+          <p:nvPr/>
+        </p:nvSpPr>
+        <p:spPr>
+          <a:xfrm>
+            <a:off x="4030457" y="3986085"/>
+            <a:ext cx="230814" cy="230814"/>
+          </a:xfrm>
+          <a:prstGeom prst="ellipse">
+            <a:avLst/>
+          </a:prstGeom>
+          <a:solidFill>
+            <a:schemeClr val="bg1">
+              <a:lumMod val="85000"/>
+            </a:schemeClr>
+          </a:solidFill>
+          <a:ln>
+            <a:solidFill>
+              <a:schemeClr val="tx1"/>
+            </a:solidFill>
+          </a:ln>
+        </p:spPr>
+        <p:style>
+          <a:lnRef idx="2">
+            <a:schemeClr val="accent1">
+              <a:shade val="50000"/>
+            </a:schemeClr>
+          </a:lnRef>
+          <a:fillRef idx="1">
+            <a:schemeClr val="accent1"/>
+          </a:fillRef>
+          <a:effectRef idx="0">
+            <a:schemeClr val="accent1"/>
+          </a:effectRef>
+          <a:fontRef idx="minor">
+            <a:schemeClr val="lt1"/>
+          </a:fontRef>
+        </p:style>
+        <p:txBody>
+          <a:bodyPr rtlCol="0" anchor="ctr"/>
+          <a:lstStyle/>
+          <a:p>
+            <a:pPr algn="ctr"/>
+            <a:endParaRPr lang="ko-KR" altLang="en-US"/>
+          </a:p>
+        </p:txBody>
+      </p:sp>
+      <p:sp>
+        <p:nvSpPr>
+          <p:cNvPr id="22" name="타원 21">
+            <a:extLst>
+              <a:ext uri="{FF2B5EF4-FFF2-40B4-BE49-F238E27FC236}">
+                <a16:creationId xmlns:a16="http://schemas.microsoft.com/office/drawing/2014/main" id="{48AFE259-8807-4699-BBBD-715ED1C2F7A3}"/>
+              </a:ext>
+            </a:extLst>
+          </p:cNvPr>
+          <p:cNvSpPr/>
+          <p:nvPr/>
+        </p:nvSpPr>
+        <p:spPr>
+          <a:xfrm>
+            <a:off x="4261271" y="3986085"/>
+            <a:ext cx="230814" cy="230814"/>
+          </a:xfrm>
+          <a:prstGeom prst="ellipse">
+            <a:avLst/>
+          </a:prstGeom>
+          <a:solidFill>
+            <a:schemeClr val="bg1">
+              <a:lumMod val="85000"/>
+            </a:schemeClr>
+          </a:solidFill>
+          <a:ln>
+            <a:solidFill>
+              <a:schemeClr val="tx1"/>
+            </a:solidFill>
+          </a:ln>
+        </p:spPr>
+        <p:style>
+          <a:lnRef idx="2">
+            <a:schemeClr val="accent1">
+              <a:shade val="50000"/>
+            </a:schemeClr>
+          </a:lnRef>
+          <a:fillRef idx="1">
+            <a:schemeClr val="accent1"/>
+          </a:fillRef>
+          <a:effectRef idx="0">
+            <a:schemeClr val="accent1"/>
+          </a:effectRef>
+          <a:fontRef idx="minor">
+            <a:schemeClr val="lt1"/>
+          </a:fontRef>
+        </p:style>
+        <p:txBody>
+          <a:bodyPr rtlCol="0" anchor="ctr"/>
+          <a:lstStyle/>
+          <a:p>
+            <a:pPr algn="ctr"/>
+            <a:endParaRPr lang="ko-KR" altLang="en-US"/>
+          </a:p>
+        </p:txBody>
+      </p:sp>
+      <p:sp>
+        <p:nvSpPr>
+          <p:cNvPr id="23" name="타원 22">
+            <a:extLst>
+              <a:ext uri="{FF2B5EF4-FFF2-40B4-BE49-F238E27FC236}">
+                <a16:creationId xmlns:a16="http://schemas.microsoft.com/office/drawing/2014/main" id="{4278C1A7-EF66-4EFD-8202-9440E40BA08D}"/>
+              </a:ext>
+            </a:extLst>
+          </p:cNvPr>
+          <p:cNvSpPr/>
+          <p:nvPr/>
+        </p:nvSpPr>
+        <p:spPr>
+          <a:xfrm>
+            <a:off x="3568829" y="3755269"/>
+            <a:ext cx="230814" cy="230814"/>
+          </a:xfrm>
+          <a:prstGeom prst="ellipse">
+            <a:avLst/>
+          </a:prstGeom>
+          <a:solidFill>
+            <a:schemeClr val="bg1">
+              <a:lumMod val="85000"/>
+            </a:schemeClr>
+          </a:solidFill>
+          <a:ln>
+            <a:solidFill>
+              <a:schemeClr val="tx1"/>
+            </a:solidFill>
+          </a:ln>
+        </p:spPr>
+        <p:style>
+          <a:lnRef idx="2">
+            <a:schemeClr val="accent1">
+              <a:shade val="50000"/>
+            </a:schemeClr>
+          </a:lnRef>
+          <a:fillRef idx="1">
+            <a:schemeClr val="accent1"/>
+          </a:fillRef>
+          <a:effectRef idx="0">
+            <a:schemeClr val="accent1"/>
+          </a:effectRef>
+          <a:fontRef idx="minor">
+            <a:schemeClr val="lt1"/>
+          </a:fontRef>
+        </p:style>
+        <p:txBody>
+          <a:bodyPr rtlCol="0" anchor="ctr"/>
+          <a:lstStyle/>
+          <a:p>
+            <a:pPr algn="ctr"/>
+            <a:endParaRPr lang="ko-KR" altLang="en-US"/>
+          </a:p>
+        </p:txBody>
+      </p:sp>
+      <p:sp>
+        <p:nvSpPr>
+          <p:cNvPr id="24" name="타원 23">
+            <a:extLst>
+              <a:ext uri="{FF2B5EF4-FFF2-40B4-BE49-F238E27FC236}">
+                <a16:creationId xmlns:a16="http://schemas.microsoft.com/office/drawing/2014/main" id="{87B777D8-4655-40E3-9AEE-2A1DD9C3DAA6}"/>
+              </a:ext>
+            </a:extLst>
+          </p:cNvPr>
+          <p:cNvSpPr/>
+          <p:nvPr/>
+        </p:nvSpPr>
+        <p:spPr>
+          <a:xfrm>
+            <a:off x="3799643" y="3755269"/>
+            <a:ext cx="230814" cy="230814"/>
+          </a:xfrm>
+          <a:prstGeom prst="ellipse">
+            <a:avLst/>
+          </a:prstGeom>
+          <a:solidFill>
+            <a:schemeClr val="bg1">
+              <a:lumMod val="85000"/>
+            </a:schemeClr>
+          </a:solidFill>
+          <a:ln>
+            <a:solidFill>
+              <a:schemeClr val="tx1"/>
+            </a:solidFill>
+          </a:ln>
+        </p:spPr>
+        <p:style>
+          <a:lnRef idx="2">
+            <a:schemeClr val="accent1">
+              <a:shade val="50000"/>
+            </a:schemeClr>
+          </a:lnRef>
+          <a:fillRef idx="1">
+            <a:schemeClr val="accent1"/>
+          </a:fillRef>
+          <a:effectRef idx="0">
+            <a:schemeClr val="accent1"/>
+          </a:effectRef>
+          <a:fontRef idx="minor">
+            <a:schemeClr val="lt1"/>
+          </a:fontRef>
+        </p:style>
+        <p:txBody>
+          <a:bodyPr rtlCol="0" anchor="ctr"/>
+          <a:lstStyle/>
+          <a:p>
+            <a:pPr algn="ctr"/>
+            <a:endParaRPr lang="ko-KR" altLang="en-US"/>
+          </a:p>
+        </p:txBody>
+      </p:sp>
+      <p:sp>
+        <p:nvSpPr>
+          <p:cNvPr id="25" name="타원 24">
+            <a:extLst>
+              <a:ext uri="{FF2B5EF4-FFF2-40B4-BE49-F238E27FC236}">
+                <a16:creationId xmlns:a16="http://schemas.microsoft.com/office/drawing/2014/main" id="{36F1B7B8-7589-4CB6-BEED-DFA9BEAB1E8C}"/>
+              </a:ext>
+            </a:extLst>
+          </p:cNvPr>
+          <p:cNvSpPr/>
+          <p:nvPr/>
+        </p:nvSpPr>
+        <p:spPr>
+          <a:xfrm>
+            <a:off x="3338015" y="3755269"/>
+            <a:ext cx="230814" cy="230814"/>
+          </a:xfrm>
+          <a:prstGeom prst="ellipse">
+            <a:avLst/>
+          </a:prstGeom>
+          <a:solidFill>
+            <a:schemeClr val="bg1">
+              <a:lumMod val="85000"/>
+            </a:schemeClr>
+          </a:solidFill>
+          <a:ln>
+            <a:solidFill>
+              <a:schemeClr val="tx1"/>
+            </a:solidFill>
+          </a:ln>
+        </p:spPr>
+        <p:style>
+          <a:lnRef idx="2">
+            <a:schemeClr val="accent1">
+              <a:shade val="50000"/>
+            </a:schemeClr>
+          </a:lnRef>
+          <a:fillRef idx="1">
+            <a:schemeClr val="accent1"/>
+          </a:fillRef>
+          <a:effectRef idx="0">
+            <a:schemeClr val="accent1"/>
+          </a:effectRef>
+          <a:fontRef idx="minor">
+            <a:schemeClr val="lt1"/>
+          </a:fontRef>
+        </p:style>
+        <p:txBody>
+          <a:bodyPr rtlCol="0" anchor="ctr"/>
+          <a:lstStyle/>
+          <a:p>
+            <a:pPr algn="ctr"/>
+            <a:endParaRPr lang="ko-KR" altLang="en-US"/>
+          </a:p>
+        </p:txBody>
+      </p:sp>
+      <p:sp>
+        <p:nvSpPr>
+          <p:cNvPr id="26" name="타원 25">
+            <a:extLst>
+              <a:ext uri="{FF2B5EF4-FFF2-40B4-BE49-F238E27FC236}">
+                <a16:creationId xmlns:a16="http://schemas.microsoft.com/office/drawing/2014/main" id="{0CE5F4A5-3A00-4DB1-8340-90660AC25826}"/>
+              </a:ext>
+            </a:extLst>
+          </p:cNvPr>
+          <p:cNvSpPr/>
+          <p:nvPr/>
+        </p:nvSpPr>
+        <p:spPr>
+          <a:xfrm>
+            <a:off x="4030457" y="3755269"/>
+            <a:ext cx="230814" cy="230814"/>
+          </a:xfrm>
+          <a:prstGeom prst="ellipse">
+            <a:avLst/>
+          </a:prstGeom>
+          <a:solidFill>
+            <a:schemeClr val="bg1">
+              <a:lumMod val="85000"/>
+            </a:schemeClr>
+          </a:solidFill>
+          <a:ln>
+            <a:solidFill>
+              <a:schemeClr val="tx1"/>
+            </a:solidFill>
+          </a:ln>
+        </p:spPr>
+        <p:style>
+          <a:lnRef idx="2">
+            <a:schemeClr val="accent1">
+              <a:shade val="50000"/>
+            </a:schemeClr>
+          </a:lnRef>
+          <a:fillRef idx="1">
+            <a:schemeClr val="accent1"/>
+          </a:fillRef>
+          <a:effectRef idx="0">
+            <a:schemeClr val="accent1"/>
+          </a:effectRef>
+          <a:fontRef idx="minor">
+            <a:schemeClr val="lt1"/>
+          </a:fontRef>
+        </p:style>
+        <p:txBody>
+          <a:bodyPr rtlCol="0" anchor="ctr"/>
+          <a:lstStyle/>
+          <a:p>
+            <a:pPr algn="ctr"/>
+            <a:endParaRPr lang="ko-KR" altLang="en-US"/>
+          </a:p>
+        </p:txBody>
+      </p:sp>
+      <p:sp>
+        <p:nvSpPr>
+          <p:cNvPr id="27" name="타원 26">
+            <a:extLst>
+              <a:ext uri="{FF2B5EF4-FFF2-40B4-BE49-F238E27FC236}">
+                <a16:creationId xmlns:a16="http://schemas.microsoft.com/office/drawing/2014/main" id="{B559FAD6-5ADA-4A71-8713-50757E628803}"/>
+              </a:ext>
+            </a:extLst>
+          </p:cNvPr>
+          <p:cNvSpPr/>
+          <p:nvPr/>
+        </p:nvSpPr>
+        <p:spPr>
+          <a:xfrm>
+            <a:off x="3568829" y="3524454"/>
+            <a:ext cx="230814" cy="230814"/>
+          </a:xfrm>
+          <a:prstGeom prst="ellipse">
+            <a:avLst/>
+          </a:prstGeom>
+          <a:solidFill>
+            <a:schemeClr val="bg1">
+              <a:lumMod val="85000"/>
+            </a:schemeClr>
+          </a:solidFill>
+          <a:ln>
+            <a:solidFill>
+              <a:schemeClr val="tx1"/>
+            </a:solidFill>
+          </a:ln>
+        </p:spPr>
+        <p:style>
+          <a:lnRef idx="2">
+            <a:schemeClr val="accent1">
+              <a:shade val="50000"/>
+            </a:schemeClr>
+          </a:lnRef>
+          <a:fillRef idx="1">
+            <a:schemeClr val="accent1"/>
+          </a:fillRef>
+          <a:effectRef idx="0">
+            <a:schemeClr val="accent1"/>
+          </a:effectRef>
+          <a:fontRef idx="minor">
+            <a:schemeClr val="lt1"/>
+          </a:fontRef>
+        </p:style>
+        <p:txBody>
+          <a:bodyPr rtlCol="0" anchor="ctr"/>
+          <a:lstStyle/>
+          <a:p>
+            <a:pPr algn="ctr"/>
+            <a:endParaRPr lang="ko-KR" altLang="en-US"/>
+          </a:p>
+        </p:txBody>
+      </p:sp>
+      <p:sp>
+        <p:nvSpPr>
+          <p:cNvPr id="28" name="타원 27">
+            <a:extLst>
+              <a:ext uri="{FF2B5EF4-FFF2-40B4-BE49-F238E27FC236}">
+                <a16:creationId xmlns:a16="http://schemas.microsoft.com/office/drawing/2014/main" id="{5A9DFF65-3ADA-4ED4-B97D-FFE528EED248}"/>
+              </a:ext>
+            </a:extLst>
+          </p:cNvPr>
+          <p:cNvSpPr/>
+          <p:nvPr/>
+        </p:nvSpPr>
+        <p:spPr>
+          <a:xfrm>
+            <a:off x="3799643" y="3524454"/>
+            <a:ext cx="230814" cy="230814"/>
+          </a:xfrm>
+          <a:prstGeom prst="ellipse">
+            <a:avLst/>
+          </a:prstGeom>
+          <a:solidFill>
+            <a:schemeClr val="bg1">
+              <a:lumMod val="85000"/>
+            </a:schemeClr>
+          </a:solidFill>
+          <a:ln>
+            <a:solidFill>
+              <a:schemeClr val="tx1"/>
+            </a:solidFill>
+          </a:ln>
+        </p:spPr>
+        <p:style>
+          <a:lnRef idx="2">
+            <a:schemeClr val="accent1">
+              <a:shade val="50000"/>
+            </a:schemeClr>
+          </a:lnRef>
+          <a:fillRef idx="1">
+            <a:schemeClr val="accent1"/>
+          </a:fillRef>
+          <a:effectRef idx="0">
+            <a:schemeClr val="accent1"/>
+          </a:effectRef>
+          <a:fontRef idx="minor">
+            <a:schemeClr val="lt1"/>
+          </a:fontRef>
+        </p:style>
+        <p:txBody>
+          <a:bodyPr rtlCol="0" anchor="ctr"/>
+          <a:lstStyle/>
+          <a:p>
+            <a:pPr algn="ctr"/>
+            <a:endParaRPr lang="ko-KR" altLang="en-US"/>
+          </a:p>
+        </p:txBody>
+      </p:sp>
+      <p:sp>
+        <p:nvSpPr>
+          <p:cNvPr id="29" name="타원 28">
+            <a:extLst>
+              <a:ext uri="{FF2B5EF4-FFF2-40B4-BE49-F238E27FC236}">
+                <a16:creationId xmlns:a16="http://schemas.microsoft.com/office/drawing/2014/main" id="{C870D5D6-AD72-48EA-9AC3-CA129A735C97}"/>
+              </a:ext>
+            </a:extLst>
+          </p:cNvPr>
+          <p:cNvSpPr/>
+          <p:nvPr/>
+        </p:nvSpPr>
+        <p:spPr>
+          <a:xfrm>
+            <a:off x="2645573" y="4216899"/>
+            <a:ext cx="230814" cy="230814"/>
+          </a:xfrm>
+          <a:prstGeom prst="ellipse">
+            <a:avLst/>
+          </a:prstGeom>
+          <a:solidFill>
+            <a:schemeClr val="accent1"/>
+          </a:solidFill>
+          <a:ln>
+            <a:solidFill>
+              <a:schemeClr val="tx1"/>
+            </a:solidFill>
+          </a:ln>
+        </p:spPr>
+        <p:style>
+          <a:lnRef idx="2">
+            <a:schemeClr val="accent1">
+              <a:shade val="50000"/>
+            </a:schemeClr>
+          </a:lnRef>
+          <a:fillRef idx="1">
+            <a:schemeClr val="accent1"/>
+          </a:fillRef>
+          <a:effectRef idx="0">
+            <a:schemeClr val="accent1"/>
+          </a:effectRef>
+          <a:fontRef idx="minor">
+            <a:schemeClr val="lt1"/>
+          </a:fontRef>
+        </p:style>
+        <p:txBody>
+          <a:bodyPr rtlCol="0" anchor="ctr"/>
+          <a:lstStyle/>
+          <a:p>
+            <a:pPr algn="ctr"/>
+            <a:endParaRPr lang="ko-KR" altLang="en-US"/>
+          </a:p>
+        </p:txBody>
+      </p:sp>
+      <p:sp>
+        <p:nvSpPr>
+          <p:cNvPr id="30" name="타원 29">
+            <a:extLst>
+              <a:ext uri="{FF2B5EF4-FFF2-40B4-BE49-F238E27FC236}">
+                <a16:creationId xmlns:a16="http://schemas.microsoft.com/office/drawing/2014/main" id="{3BC4C3EE-F93B-4011-8EF8-57D29B62EF20}"/>
+              </a:ext>
+            </a:extLst>
+          </p:cNvPr>
+          <p:cNvSpPr/>
+          <p:nvPr/>
+        </p:nvSpPr>
+        <p:spPr>
+          <a:xfrm>
+            <a:off x="2876386" y="3986084"/>
+            <a:ext cx="230814" cy="230814"/>
+          </a:xfrm>
+          <a:prstGeom prst="ellipse">
+            <a:avLst/>
+          </a:prstGeom>
+          <a:solidFill>
+            <a:schemeClr val="accent1"/>
+          </a:solidFill>
+          <a:ln>
+            <a:solidFill>
+              <a:schemeClr val="tx1"/>
+            </a:solidFill>
+          </a:ln>
+        </p:spPr>
+        <p:style>
+          <a:lnRef idx="2">
+            <a:schemeClr val="accent1">
+              <a:shade val="50000"/>
+            </a:schemeClr>
+          </a:lnRef>
+          <a:fillRef idx="1">
+            <a:schemeClr val="accent1"/>
+          </a:fillRef>
+          <a:effectRef idx="0">
+            <a:schemeClr val="accent1"/>
+          </a:effectRef>
+          <a:fontRef idx="minor">
+            <a:schemeClr val="lt1"/>
+          </a:fontRef>
+        </p:style>
+        <p:txBody>
+          <a:bodyPr rtlCol="0" anchor="ctr"/>
+          <a:lstStyle/>
+          <a:p>
+            <a:pPr algn="ctr"/>
+            <a:endParaRPr lang="ko-KR" altLang="en-US"/>
+          </a:p>
+        </p:txBody>
+      </p:sp>
+      <p:sp>
+        <p:nvSpPr>
+          <p:cNvPr id="31" name="타원 30">
+            <a:extLst>
+              <a:ext uri="{FF2B5EF4-FFF2-40B4-BE49-F238E27FC236}">
+                <a16:creationId xmlns:a16="http://schemas.microsoft.com/office/drawing/2014/main" id="{6DC97A42-2EC4-41C7-9034-4050DCA3B45E}"/>
+              </a:ext>
+            </a:extLst>
+          </p:cNvPr>
+          <p:cNvSpPr/>
+          <p:nvPr/>
+        </p:nvSpPr>
+        <p:spPr>
+          <a:xfrm>
+            <a:off x="3107201" y="3755269"/>
+            <a:ext cx="230814" cy="230814"/>
+          </a:xfrm>
+          <a:prstGeom prst="ellipse">
+            <a:avLst/>
+          </a:prstGeom>
+          <a:solidFill>
+            <a:schemeClr val="bg1">
+              <a:lumMod val="85000"/>
+            </a:schemeClr>
+          </a:solidFill>
+          <a:ln>
+            <a:solidFill>
+              <a:schemeClr val="tx1"/>
+            </a:solidFill>
+          </a:ln>
+        </p:spPr>
+        <p:style>
+          <a:lnRef idx="2">
+            <a:schemeClr val="accent1">
+              <a:shade val="50000"/>
+            </a:schemeClr>
+          </a:lnRef>
+          <a:fillRef idx="1">
+            <a:schemeClr val="accent1"/>
+          </a:fillRef>
+          <a:effectRef idx="0">
+            <a:schemeClr val="accent1"/>
+          </a:effectRef>
+          <a:fontRef idx="minor">
+            <a:schemeClr val="lt1"/>
+          </a:fontRef>
+        </p:style>
+        <p:txBody>
+          <a:bodyPr rtlCol="0" anchor="ctr"/>
+          <a:lstStyle/>
+          <a:p>
+            <a:pPr algn="ctr"/>
+            <a:endParaRPr lang="ko-KR" altLang="en-US"/>
+          </a:p>
+        </p:txBody>
+      </p:sp>
+      <p:sp>
+        <p:nvSpPr>
+          <p:cNvPr id="32" name="타원 31">
+            <a:extLst>
+              <a:ext uri="{FF2B5EF4-FFF2-40B4-BE49-F238E27FC236}">
+                <a16:creationId xmlns:a16="http://schemas.microsoft.com/office/drawing/2014/main" id="{AE08C005-3EE3-4A8C-AD5B-3E6A9DACEEDA}"/>
+              </a:ext>
+            </a:extLst>
+          </p:cNvPr>
+          <p:cNvSpPr/>
+          <p:nvPr/>
+        </p:nvSpPr>
+        <p:spPr>
+          <a:xfrm>
+            <a:off x="3338015" y="3524454"/>
+            <a:ext cx="230814" cy="230814"/>
+          </a:xfrm>
+          <a:prstGeom prst="ellipse">
+            <a:avLst/>
+          </a:prstGeom>
+          <a:solidFill>
+            <a:schemeClr val="bg1">
+              <a:lumMod val="85000"/>
+            </a:schemeClr>
+          </a:solidFill>
+          <a:ln>
+            <a:solidFill>
+              <a:schemeClr val="tx1"/>
+            </a:solidFill>
+          </a:ln>
+        </p:spPr>
+        <p:style>
+          <a:lnRef idx="2">
+            <a:schemeClr val="accent1">
+              <a:shade val="50000"/>
+            </a:schemeClr>
+          </a:lnRef>
+          <a:fillRef idx="1">
+            <a:schemeClr val="accent1"/>
+          </a:fillRef>
+          <a:effectRef idx="0">
+            <a:schemeClr val="accent1"/>
+          </a:effectRef>
+          <a:fontRef idx="minor">
+            <a:schemeClr val="lt1"/>
+          </a:fontRef>
+        </p:style>
+        <p:txBody>
+          <a:bodyPr rtlCol="0" anchor="ctr"/>
+          <a:lstStyle/>
+          <a:p>
+            <a:pPr algn="ctr"/>
+            <a:endParaRPr lang="ko-KR" altLang="en-US"/>
+          </a:p>
+        </p:txBody>
+      </p:sp>
+      <p:sp>
+        <p:nvSpPr>
+          <p:cNvPr id="33" name="타원 32">
+            <a:extLst>
+              <a:ext uri="{FF2B5EF4-FFF2-40B4-BE49-F238E27FC236}">
+                <a16:creationId xmlns:a16="http://schemas.microsoft.com/office/drawing/2014/main" id="{61F48FEC-0C15-4366-9011-FCA779698788}"/>
+              </a:ext>
+            </a:extLst>
+          </p:cNvPr>
+          <p:cNvSpPr/>
+          <p:nvPr/>
+        </p:nvSpPr>
+        <p:spPr>
+          <a:xfrm>
+            <a:off x="3568829" y="3293273"/>
+            <a:ext cx="230814" cy="230814"/>
+          </a:xfrm>
+          <a:prstGeom prst="ellipse">
+            <a:avLst/>
+          </a:prstGeom>
+          <a:solidFill>
+            <a:schemeClr val="bg1">
+              <a:lumMod val="85000"/>
+            </a:schemeClr>
+          </a:solidFill>
+          <a:ln>
+            <a:solidFill>
+              <a:schemeClr val="tx1"/>
+            </a:solidFill>
+          </a:ln>
+        </p:spPr>
+        <p:style>
+          <a:lnRef idx="2">
+            <a:schemeClr val="accent1">
+              <a:shade val="50000"/>
+            </a:schemeClr>
+          </a:lnRef>
+          <a:fillRef idx="1">
+            <a:schemeClr val="accent1"/>
+          </a:fillRef>
+          <a:effectRef idx="0">
+            <a:schemeClr val="accent1"/>
+          </a:effectRef>
+          <a:fontRef idx="minor">
+            <a:schemeClr val="lt1"/>
+          </a:fontRef>
+        </p:style>
+        <p:txBody>
+          <a:bodyPr rtlCol="0" anchor="ctr"/>
+          <a:lstStyle/>
+          <a:p>
+            <a:pPr algn="ctr"/>
+            <a:endParaRPr lang="ko-KR" altLang="en-US"/>
+          </a:p>
+        </p:txBody>
+      </p:sp>
+      <p:sp>
+        <p:nvSpPr>
+          <p:cNvPr id="59" name="타원 58">
+            <a:extLst>
+              <a:ext uri="{FF2B5EF4-FFF2-40B4-BE49-F238E27FC236}">
+                <a16:creationId xmlns:a16="http://schemas.microsoft.com/office/drawing/2014/main" id="{338386FE-252A-4F4F-B604-DCA606254A7E}"/>
+              </a:ext>
+            </a:extLst>
+          </p:cNvPr>
+          <p:cNvSpPr/>
+          <p:nvPr/>
+        </p:nvSpPr>
+        <p:spPr>
+          <a:xfrm>
+            <a:off x="2411781" y="4216899"/>
+            <a:ext cx="230814" cy="230814"/>
+          </a:xfrm>
+          <a:prstGeom prst="ellipse">
+            <a:avLst/>
+          </a:prstGeom>
+          <a:solidFill>
+            <a:schemeClr val="accent1"/>
+          </a:solidFill>
+          <a:ln>
+            <a:solidFill>
+              <a:schemeClr val="tx1"/>
+            </a:solidFill>
+          </a:ln>
+        </p:spPr>
+        <p:style>
+          <a:lnRef idx="2">
+            <a:schemeClr val="accent1">
+              <a:shade val="50000"/>
+            </a:schemeClr>
+          </a:lnRef>
+          <a:fillRef idx="1">
+            <a:schemeClr val="accent1"/>
+          </a:fillRef>
+          <a:effectRef idx="0">
+            <a:schemeClr val="accent1"/>
+          </a:effectRef>
+          <a:fontRef idx="minor">
+            <a:schemeClr val="lt1"/>
+          </a:fontRef>
+        </p:style>
+        <p:txBody>
+          <a:bodyPr rtlCol="0" anchor="ctr"/>
+          <a:lstStyle/>
+          <a:p>
+            <a:pPr algn="ctr"/>
+            <a:endParaRPr lang="ko-KR" altLang="en-US"/>
+          </a:p>
+        </p:txBody>
+      </p:sp>
+      <p:sp>
+        <p:nvSpPr>
+          <p:cNvPr id="60" name="타원 59">
+            <a:extLst>
+              <a:ext uri="{FF2B5EF4-FFF2-40B4-BE49-F238E27FC236}">
+                <a16:creationId xmlns:a16="http://schemas.microsoft.com/office/drawing/2014/main" id="{F9434E8E-A18D-40F7-8BBD-279115F50BA3}"/>
+              </a:ext>
+            </a:extLst>
+          </p:cNvPr>
+          <p:cNvSpPr/>
+          <p:nvPr/>
+        </p:nvSpPr>
+        <p:spPr>
+          <a:xfrm>
+            <a:off x="2642594" y="3986084"/>
+            <a:ext cx="230814" cy="230814"/>
+          </a:xfrm>
+          <a:prstGeom prst="ellipse">
+            <a:avLst/>
+          </a:prstGeom>
+          <a:solidFill>
+            <a:schemeClr val="accent1"/>
+          </a:solidFill>
+          <a:ln>
+            <a:solidFill>
+              <a:schemeClr val="tx1"/>
+            </a:solidFill>
+          </a:ln>
+        </p:spPr>
+        <p:style>
+          <a:lnRef idx="2">
+            <a:schemeClr val="accent1">
+              <a:shade val="50000"/>
+            </a:schemeClr>
+          </a:lnRef>
+          <a:fillRef idx="1">
+            <a:schemeClr val="accent1"/>
+          </a:fillRef>
+          <a:effectRef idx="0">
+            <a:schemeClr val="accent1"/>
+          </a:effectRef>
+          <a:fontRef idx="minor">
+            <a:schemeClr val="lt1"/>
+          </a:fontRef>
+        </p:style>
+        <p:txBody>
+          <a:bodyPr rtlCol="0" anchor="ctr"/>
+          <a:lstStyle/>
+          <a:p>
+            <a:pPr algn="ctr"/>
+            <a:endParaRPr lang="ko-KR" altLang="en-US"/>
+          </a:p>
+        </p:txBody>
+      </p:sp>
+      <p:sp>
+        <p:nvSpPr>
+          <p:cNvPr id="61" name="타원 60">
+            <a:extLst>
+              <a:ext uri="{FF2B5EF4-FFF2-40B4-BE49-F238E27FC236}">
+                <a16:creationId xmlns:a16="http://schemas.microsoft.com/office/drawing/2014/main" id="{BBC82D4C-AD0A-47DC-ACBB-7338B3CD0A21}"/>
+              </a:ext>
+            </a:extLst>
+          </p:cNvPr>
+          <p:cNvSpPr/>
+          <p:nvPr/>
+        </p:nvSpPr>
+        <p:spPr>
+          <a:xfrm>
+            <a:off x="2873409" y="3755269"/>
+            <a:ext cx="230814" cy="230814"/>
+          </a:xfrm>
+          <a:prstGeom prst="ellipse">
+            <a:avLst/>
+          </a:prstGeom>
+          <a:solidFill>
+            <a:schemeClr val="accent1"/>
+          </a:solidFill>
+          <a:ln>
+            <a:solidFill>
+              <a:schemeClr val="tx1"/>
+            </a:solidFill>
+          </a:ln>
+        </p:spPr>
+        <p:style>
+          <a:lnRef idx="2">
+            <a:schemeClr val="accent1">
+              <a:shade val="50000"/>
+            </a:schemeClr>
+          </a:lnRef>
+          <a:fillRef idx="1">
+            <a:schemeClr val="accent1"/>
+          </a:fillRef>
+          <a:effectRef idx="0">
+            <a:schemeClr val="accent1"/>
+          </a:effectRef>
+          <a:fontRef idx="minor">
+            <a:schemeClr val="lt1"/>
+          </a:fontRef>
+        </p:style>
+        <p:txBody>
+          <a:bodyPr rtlCol="0" anchor="ctr"/>
+          <a:lstStyle/>
+          <a:p>
+            <a:pPr algn="ctr"/>
+            <a:endParaRPr lang="ko-KR" altLang="en-US"/>
+          </a:p>
+        </p:txBody>
+      </p:sp>
+      <p:sp>
+        <p:nvSpPr>
+          <p:cNvPr id="62" name="타원 61">
+            <a:extLst>
+              <a:ext uri="{FF2B5EF4-FFF2-40B4-BE49-F238E27FC236}">
+                <a16:creationId xmlns:a16="http://schemas.microsoft.com/office/drawing/2014/main" id="{35937F38-02E3-45CE-8174-5A9ECEC78187}"/>
+              </a:ext>
+            </a:extLst>
+          </p:cNvPr>
+          <p:cNvSpPr/>
+          <p:nvPr/>
+        </p:nvSpPr>
+        <p:spPr>
+          <a:xfrm>
+            <a:off x="3104223" y="3524454"/>
+            <a:ext cx="230814" cy="230814"/>
+          </a:xfrm>
+          <a:prstGeom prst="ellipse">
+            <a:avLst/>
+          </a:prstGeom>
+          <a:solidFill>
+            <a:schemeClr val="bg1">
+              <a:lumMod val="85000"/>
+            </a:schemeClr>
+          </a:solidFill>
+          <a:ln>
+            <a:solidFill>
+              <a:schemeClr val="tx1"/>
+            </a:solidFill>
+          </a:ln>
+        </p:spPr>
+        <p:style>
+          <a:lnRef idx="2">
+            <a:schemeClr val="accent1">
+              <a:shade val="50000"/>
+            </a:schemeClr>
+          </a:lnRef>
+          <a:fillRef idx="1">
+            <a:schemeClr val="accent1"/>
+          </a:fillRef>
+          <a:effectRef idx="0">
+            <a:schemeClr val="accent1"/>
+          </a:effectRef>
+          <a:fontRef idx="minor">
+            <a:schemeClr val="lt1"/>
+          </a:fontRef>
+        </p:style>
+        <p:txBody>
+          <a:bodyPr rtlCol="0" anchor="ctr"/>
+          <a:lstStyle/>
+          <a:p>
+            <a:pPr algn="ctr"/>
+            <a:endParaRPr lang="ko-KR" altLang="en-US"/>
+          </a:p>
+        </p:txBody>
+      </p:sp>
+      <p:sp>
+        <p:nvSpPr>
+          <p:cNvPr id="63" name="타원 62">
+            <a:extLst>
+              <a:ext uri="{FF2B5EF4-FFF2-40B4-BE49-F238E27FC236}">
+                <a16:creationId xmlns:a16="http://schemas.microsoft.com/office/drawing/2014/main" id="{0098F065-B811-4C85-B432-1D7965197584}"/>
+              </a:ext>
+            </a:extLst>
+          </p:cNvPr>
+          <p:cNvSpPr/>
+          <p:nvPr/>
+        </p:nvSpPr>
+        <p:spPr>
+          <a:xfrm>
+            <a:off x="3335037" y="3293273"/>
+            <a:ext cx="230814" cy="230814"/>
+          </a:xfrm>
+          <a:prstGeom prst="ellipse">
+            <a:avLst/>
+          </a:prstGeom>
+          <a:solidFill>
+            <a:schemeClr val="bg1">
+              <a:lumMod val="85000"/>
+            </a:schemeClr>
+          </a:solidFill>
+          <a:ln>
+            <a:solidFill>
+              <a:schemeClr val="tx1"/>
+            </a:solidFill>
+          </a:ln>
+        </p:spPr>
+        <p:style>
+          <a:lnRef idx="2">
+            <a:schemeClr val="accent1">
+              <a:shade val="50000"/>
+            </a:schemeClr>
+          </a:lnRef>
+          <a:fillRef idx="1">
+            <a:schemeClr val="accent1"/>
+          </a:fillRef>
+          <a:effectRef idx="0">
+            <a:schemeClr val="accent1"/>
+          </a:effectRef>
+          <a:fontRef idx="minor">
+            <a:schemeClr val="lt1"/>
+          </a:fontRef>
+        </p:style>
+        <p:txBody>
+          <a:bodyPr rtlCol="0" anchor="ctr"/>
+          <a:lstStyle/>
+          <a:p>
+            <a:pPr algn="ctr"/>
+            <a:endParaRPr lang="ko-KR" altLang="en-US"/>
+          </a:p>
+        </p:txBody>
+      </p:sp>
+      <p:sp>
+        <p:nvSpPr>
+          <p:cNvPr id="64" name="타원 63">
+            <a:extLst>
+              <a:ext uri="{FF2B5EF4-FFF2-40B4-BE49-F238E27FC236}">
+                <a16:creationId xmlns:a16="http://schemas.microsoft.com/office/drawing/2014/main" id="{E687737B-3F1A-4332-8F4F-35DF547EA93F}"/>
+              </a:ext>
+            </a:extLst>
+          </p:cNvPr>
+          <p:cNvSpPr/>
+          <p:nvPr/>
+        </p:nvSpPr>
+        <p:spPr>
+          <a:xfrm>
+            <a:off x="2177901" y="4216899"/>
+            <a:ext cx="230814" cy="230814"/>
+          </a:xfrm>
+          <a:prstGeom prst="ellipse">
+            <a:avLst/>
+          </a:prstGeom>
+          <a:solidFill>
+            <a:schemeClr val="accent1"/>
+          </a:solidFill>
+          <a:ln>
+            <a:solidFill>
+              <a:schemeClr val="tx1"/>
+            </a:solidFill>
+          </a:ln>
+        </p:spPr>
+        <p:style>
+          <a:lnRef idx="2">
+            <a:schemeClr val="accent1">
+              <a:shade val="50000"/>
+            </a:schemeClr>
+          </a:lnRef>
+          <a:fillRef idx="1">
+            <a:schemeClr val="accent1"/>
+          </a:fillRef>
+          <a:effectRef idx="0">
+            <a:schemeClr val="accent1"/>
+          </a:effectRef>
+          <a:fontRef idx="minor">
+            <a:schemeClr val="lt1"/>
+          </a:fontRef>
+        </p:style>
+        <p:txBody>
+          <a:bodyPr rtlCol="0" anchor="ctr"/>
+          <a:lstStyle/>
+          <a:p>
+            <a:pPr algn="ctr"/>
+            <a:endParaRPr lang="ko-KR" altLang="en-US"/>
+          </a:p>
+        </p:txBody>
+      </p:sp>
+      <p:sp>
+        <p:nvSpPr>
+          <p:cNvPr id="65" name="타원 64">
+            <a:extLst>
+              <a:ext uri="{FF2B5EF4-FFF2-40B4-BE49-F238E27FC236}">
+                <a16:creationId xmlns:a16="http://schemas.microsoft.com/office/drawing/2014/main" id="{4260A1B3-BC81-457B-B775-2A98B7E1D6FB}"/>
+              </a:ext>
+            </a:extLst>
+          </p:cNvPr>
+          <p:cNvSpPr/>
+          <p:nvPr/>
+        </p:nvSpPr>
+        <p:spPr>
+          <a:xfrm>
+            <a:off x="2408714" y="3986084"/>
+            <a:ext cx="230814" cy="230814"/>
+          </a:xfrm>
+          <a:prstGeom prst="ellipse">
+            <a:avLst/>
+          </a:prstGeom>
+          <a:solidFill>
+            <a:schemeClr val="accent1"/>
+          </a:solidFill>
+          <a:ln>
+            <a:solidFill>
+              <a:schemeClr val="tx1"/>
+            </a:solidFill>
+          </a:ln>
+        </p:spPr>
+        <p:style>
+          <a:lnRef idx="2">
+            <a:schemeClr val="accent1">
+              <a:shade val="50000"/>
+            </a:schemeClr>
+          </a:lnRef>
+          <a:fillRef idx="1">
+            <a:schemeClr val="accent1"/>
+          </a:fillRef>
+          <a:effectRef idx="0">
+            <a:schemeClr val="accent1"/>
+          </a:effectRef>
+          <a:fontRef idx="minor">
+            <a:schemeClr val="lt1"/>
+          </a:fontRef>
+        </p:style>
+        <p:txBody>
+          <a:bodyPr rtlCol="0" anchor="ctr"/>
+          <a:lstStyle/>
+          <a:p>
+            <a:pPr algn="ctr"/>
+            <a:endParaRPr lang="ko-KR" altLang="en-US"/>
+          </a:p>
+        </p:txBody>
+      </p:sp>
+      <p:sp>
+        <p:nvSpPr>
+          <p:cNvPr id="66" name="타원 65">
+            <a:extLst>
+              <a:ext uri="{FF2B5EF4-FFF2-40B4-BE49-F238E27FC236}">
+                <a16:creationId xmlns:a16="http://schemas.microsoft.com/office/drawing/2014/main" id="{F8F2F3AC-BDDE-4E63-A707-03CE7EBF49AF}"/>
+              </a:ext>
+            </a:extLst>
+          </p:cNvPr>
+          <p:cNvSpPr/>
+          <p:nvPr/>
+        </p:nvSpPr>
+        <p:spPr>
+          <a:xfrm>
+            <a:off x="2639529" y="3755269"/>
+            <a:ext cx="230814" cy="230814"/>
+          </a:xfrm>
+          <a:prstGeom prst="ellipse">
+            <a:avLst/>
+          </a:prstGeom>
+          <a:solidFill>
+            <a:schemeClr val="accent1"/>
+          </a:solidFill>
+          <a:ln>
+            <a:solidFill>
+              <a:schemeClr val="tx1"/>
+            </a:solidFill>
+          </a:ln>
+        </p:spPr>
+        <p:style>
+          <a:lnRef idx="2">
+            <a:schemeClr val="accent1">
+              <a:shade val="50000"/>
+            </a:schemeClr>
+          </a:lnRef>
+          <a:fillRef idx="1">
+            <a:schemeClr val="accent1"/>
+          </a:fillRef>
+          <a:effectRef idx="0">
+            <a:schemeClr val="accent1"/>
+          </a:effectRef>
+          <a:fontRef idx="minor">
+            <a:schemeClr val="lt1"/>
+          </a:fontRef>
+        </p:style>
+        <p:txBody>
+          <a:bodyPr rtlCol="0" anchor="ctr"/>
+          <a:lstStyle/>
+          <a:p>
+            <a:pPr algn="ctr"/>
+            <a:endParaRPr lang="ko-KR" altLang="en-US"/>
+          </a:p>
+        </p:txBody>
+      </p:sp>
+      <p:sp>
+        <p:nvSpPr>
+          <p:cNvPr id="67" name="타원 66">
+            <a:extLst>
+              <a:ext uri="{FF2B5EF4-FFF2-40B4-BE49-F238E27FC236}">
+                <a16:creationId xmlns:a16="http://schemas.microsoft.com/office/drawing/2014/main" id="{5EE5294B-534B-4C39-8BF5-F34ABE0A058C}"/>
+              </a:ext>
+            </a:extLst>
+          </p:cNvPr>
+          <p:cNvSpPr/>
+          <p:nvPr/>
+        </p:nvSpPr>
+        <p:spPr>
+          <a:xfrm>
+            <a:off x="2870343" y="3524454"/>
+            <a:ext cx="230814" cy="230814"/>
+          </a:xfrm>
+          <a:prstGeom prst="ellipse">
+            <a:avLst/>
+          </a:prstGeom>
+          <a:solidFill>
+            <a:schemeClr val="bg1">
+              <a:lumMod val="85000"/>
+            </a:schemeClr>
+          </a:solidFill>
+          <a:ln>
+            <a:solidFill>
+              <a:schemeClr val="tx1"/>
+            </a:solidFill>
+          </a:ln>
+        </p:spPr>
+        <p:style>
+          <a:lnRef idx="2">
+            <a:schemeClr val="accent1">
+              <a:shade val="50000"/>
+            </a:schemeClr>
+          </a:lnRef>
+          <a:fillRef idx="1">
+            <a:schemeClr val="accent1"/>
+          </a:fillRef>
+          <a:effectRef idx="0">
+            <a:schemeClr val="accent1"/>
+          </a:effectRef>
+          <a:fontRef idx="minor">
+            <a:schemeClr val="lt1"/>
+          </a:fontRef>
+        </p:style>
+        <p:txBody>
+          <a:bodyPr rtlCol="0" anchor="ctr"/>
+          <a:lstStyle/>
+          <a:p>
+            <a:pPr algn="ctr"/>
+            <a:endParaRPr lang="ko-KR" altLang="en-US"/>
+          </a:p>
+        </p:txBody>
+      </p:sp>
+      <p:sp>
+        <p:nvSpPr>
+          <p:cNvPr id="68" name="타원 67">
+            <a:extLst>
+              <a:ext uri="{FF2B5EF4-FFF2-40B4-BE49-F238E27FC236}">
+                <a16:creationId xmlns:a16="http://schemas.microsoft.com/office/drawing/2014/main" id="{8BAF38C9-46F6-4FFD-95B6-DD5DBD6960F9}"/>
+              </a:ext>
+            </a:extLst>
+          </p:cNvPr>
+          <p:cNvSpPr/>
+          <p:nvPr/>
+        </p:nvSpPr>
+        <p:spPr>
+          <a:xfrm>
+            <a:off x="3101157" y="3293273"/>
+            <a:ext cx="230814" cy="230814"/>
+          </a:xfrm>
+          <a:prstGeom prst="ellipse">
+            <a:avLst/>
+          </a:prstGeom>
+          <a:solidFill>
+            <a:schemeClr val="bg1">
+              <a:lumMod val="85000"/>
+            </a:schemeClr>
+          </a:solidFill>
+          <a:ln>
+            <a:solidFill>
+              <a:schemeClr val="tx1"/>
+            </a:solidFill>
+          </a:ln>
+        </p:spPr>
+        <p:style>
+          <a:lnRef idx="2">
+            <a:schemeClr val="accent1">
+              <a:shade val="50000"/>
+            </a:schemeClr>
+          </a:lnRef>
+          <a:fillRef idx="1">
+            <a:schemeClr val="accent1"/>
+          </a:fillRef>
+          <a:effectRef idx="0">
+            <a:schemeClr val="accent1"/>
+          </a:effectRef>
+          <a:fontRef idx="minor">
+            <a:schemeClr val="lt1"/>
+          </a:fontRef>
+        </p:style>
+        <p:txBody>
+          <a:bodyPr rtlCol="0" anchor="ctr"/>
+          <a:lstStyle/>
+          <a:p>
+            <a:pPr algn="ctr"/>
+            <a:endParaRPr lang="ko-KR" altLang="en-US"/>
+          </a:p>
+        </p:txBody>
+      </p:sp>
+      <p:sp>
+        <p:nvSpPr>
+          <p:cNvPr id="69" name="타원 68">
+            <a:extLst>
+              <a:ext uri="{FF2B5EF4-FFF2-40B4-BE49-F238E27FC236}">
+                <a16:creationId xmlns:a16="http://schemas.microsoft.com/office/drawing/2014/main" id="{9852E8B8-D615-495F-A367-B79235FC3B44}"/>
+              </a:ext>
+            </a:extLst>
+          </p:cNvPr>
+          <p:cNvSpPr/>
+          <p:nvPr/>
+        </p:nvSpPr>
+        <p:spPr>
+          <a:xfrm>
+            <a:off x="3335037" y="3058943"/>
+            <a:ext cx="230814" cy="230814"/>
+          </a:xfrm>
+          <a:prstGeom prst="ellipse">
+            <a:avLst/>
+          </a:prstGeom>
+          <a:solidFill>
+            <a:schemeClr val="bg1">
+              <a:lumMod val="85000"/>
+            </a:schemeClr>
+          </a:solidFill>
+          <a:ln>
+            <a:solidFill>
+              <a:schemeClr val="tx1"/>
+            </a:solidFill>
+          </a:ln>
+        </p:spPr>
+        <p:style>
+          <a:lnRef idx="2">
+            <a:schemeClr val="accent1">
+              <a:shade val="50000"/>
+            </a:schemeClr>
+          </a:lnRef>
+          <a:fillRef idx="1">
+            <a:schemeClr val="accent1"/>
+          </a:fillRef>
+          <a:effectRef idx="0">
+            <a:schemeClr val="accent1"/>
+          </a:effectRef>
+          <a:fontRef idx="minor">
+            <a:schemeClr val="lt1"/>
+          </a:fontRef>
+        </p:style>
+        <p:txBody>
+          <a:bodyPr rtlCol="0" anchor="ctr"/>
+          <a:lstStyle/>
+          <a:p>
+            <a:pPr algn="ctr"/>
+            <a:endParaRPr lang="ko-KR" altLang="en-US"/>
+          </a:p>
+        </p:txBody>
+      </p:sp>
+      <p:sp>
+        <p:nvSpPr>
+          <p:cNvPr id="70" name="타원 69">
+            <a:extLst>
+              <a:ext uri="{FF2B5EF4-FFF2-40B4-BE49-F238E27FC236}">
+                <a16:creationId xmlns:a16="http://schemas.microsoft.com/office/drawing/2014/main" id="{2AF422F0-4E1E-413E-A8CC-9A2CA72D5CAC}"/>
+              </a:ext>
+            </a:extLst>
+          </p:cNvPr>
+          <p:cNvSpPr/>
+          <p:nvPr/>
+        </p:nvSpPr>
+        <p:spPr>
+          <a:xfrm>
+            <a:off x="7720605" y="4216899"/>
+            <a:ext cx="230814" cy="230814"/>
+          </a:xfrm>
+          <a:prstGeom prst="ellipse">
+            <a:avLst/>
+          </a:prstGeom>
+          <a:solidFill>
+            <a:srgbClr val="FF5050"/>
+          </a:solidFill>
+          <a:ln>
+            <a:solidFill>
+              <a:schemeClr val="tx1"/>
+            </a:solidFill>
+          </a:ln>
+        </p:spPr>
+        <p:style>
+          <a:lnRef idx="2">
+            <a:schemeClr val="accent1">
+              <a:shade val="50000"/>
+            </a:schemeClr>
+          </a:lnRef>
+          <a:fillRef idx="1">
+            <a:schemeClr val="accent1"/>
+          </a:fillRef>
+          <a:effectRef idx="0">
+            <a:schemeClr val="accent1"/>
+          </a:effectRef>
+          <a:fontRef idx="minor">
+            <a:schemeClr val="lt1"/>
+          </a:fontRef>
+        </p:style>
+        <p:txBody>
+          <a:bodyPr rtlCol="0" anchor="ctr"/>
+          <a:lstStyle/>
+          <a:p>
+            <a:pPr algn="ctr"/>
+            <a:endParaRPr lang="ko-KR" altLang="en-US"/>
+          </a:p>
+        </p:txBody>
+      </p:sp>
+      <p:sp>
+        <p:nvSpPr>
+          <p:cNvPr id="71" name="타원 70">
+            <a:extLst>
+              <a:ext uri="{FF2B5EF4-FFF2-40B4-BE49-F238E27FC236}">
+                <a16:creationId xmlns:a16="http://schemas.microsoft.com/office/drawing/2014/main" id="{90808A3A-40AF-4048-A4FC-7B7BFE5B3F9F}"/>
+              </a:ext>
+            </a:extLst>
+          </p:cNvPr>
+          <p:cNvSpPr/>
+          <p:nvPr/>
+        </p:nvSpPr>
+        <p:spPr>
+          <a:xfrm>
+            <a:off x="7951419" y="4216899"/>
+            <a:ext cx="230814" cy="230814"/>
+          </a:xfrm>
+          <a:prstGeom prst="ellipse">
+            <a:avLst/>
+          </a:prstGeom>
+          <a:solidFill>
+            <a:srgbClr val="FF5050"/>
+          </a:solidFill>
+          <a:ln>
+            <a:solidFill>
+              <a:schemeClr val="tx1"/>
+            </a:solidFill>
+          </a:ln>
+        </p:spPr>
+        <p:style>
+          <a:lnRef idx="2">
+            <a:schemeClr val="accent1">
+              <a:shade val="50000"/>
+            </a:schemeClr>
+          </a:lnRef>
+          <a:fillRef idx="1">
+            <a:schemeClr val="accent1"/>
+          </a:fillRef>
+          <a:effectRef idx="0">
+            <a:schemeClr val="accent1"/>
+          </a:effectRef>
+          <a:fontRef idx="minor">
+            <a:schemeClr val="lt1"/>
+          </a:fontRef>
+        </p:style>
+        <p:txBody>
+          <a:bodyPr rtlCol="0" anchor="ctr"/>
+          <a:lstStyle/>
+          <a:p>
+            <a:pPr algn="ctr"/>
+            <a:endParaRPr lang="ko-KR" altLang="en-US"/>
+          </a:p>
+        </p:txBody>
+      </p:sp>
+      <p:sp>
+        <p:nvSpPr>
+          <p:cNvPr id="72" name="타원 71">
+            <a:extLst>
+              <a:ext uri="{FF2B5EF4-FFF2-40B4-BE49-F238E27FC236}">
+                <a16:creationId xmlns:a16="http://schemas.microsoft.com/office/drawing/2014/main" id="{C324A7B4-473E-48C6-A79F-5FB9AA5C345A}"/>
+              </a:ext>
+            </a:extLst>
+          </p:cNvPr>
+          <p:cNvSpPr/>
+          <p:nvPr/>
+        </p:nvSpPr>
+        <p:spPr>
+          <a:xfrm>
+            <a:off x="7258977" y="4216899"/>
+            <a:ext cx="230814" cy="230814"/>
+          </a:xfrm>
+          <a:prstGeom prst="ellipse">
+            <a:avLst/>
+          </a:prstGeom>
+          <a:solidFill>
+            <a:schemeClr val="bg1">
+              <a:lumMod val="85000"/>
+            </a:schemeClr>
+          </a:solidFill>
+          <a:ln>
+            <a:solidFill>
+              <a:schemeClr val="tx1"/>
+            </a:solidFill>
+          </a:ln>
+        </p:spPr>
+        <p:style>
+          <a:lnRef idx="2">
+            <a:schemeClr val="accent1">
+              <a:shade val="50000"/>
+            </a:schemeClr>
+          </a:lnRef>
+          <a:fillRef idx="1">
+            <a:schemeClr val="accent1"/>
+          </a:fillRef>
+          <a:effectRef idx="0">
+            <a:schemeClr val="accent1"/>
+          </a:effectRef>
+          <a:fontRef idx="minor">
+            <a:schemeClr val="lt1"/>
+          </a:fontRef>
+        </p:style>
+        <p:txBody>
+          <a:bodyPr rtlCol="0" anchor="ctr"/>
+          <a:lstStyle/>
+          <a:p>
+            <a:pPr algn="ctr"/>
+            <a:endParaRPr lang="ko-KR" altLang="en-US"/>
+          </a:p>
+        </p:txBody>
+      </p:sp>
+      <p:sp>
+        <p:nvSpPr>
+          <p:cNvPr id="73" name="타원 72">
+            <a:extLst>
+              <a:ext uri="{FF2B5EF4-FFF2-40B4-BE49-F238E27FC236}">
+                <a16:creationId xmlns:a16="http://schemas.microsoft.com/office/drawing/2014/main" id="{7B98B730-7619-4BF4-8875-551BE4ED9BF9}"/>
+              </a:ext>
+            </a:extLst>
+          </p:cNvPr>
+          <p:cNvSpPr/>
+          <p:nvPr/>
+        </p:nvSpPr>
+        <p:spPr>
+          <a:xfrm>
+            <a:off x="7489791" y="4216899"/>
+            <a:ext cx="230814" cy="230814"/>
+          </a:xfrm>
+          <a:prstGeom prst="ellipse">
+            <a:avLst/>
+          </a:prstGeom>
+          <a:solidFill>
+            <a:schemeClr val="bg1">
+              <a:lumMod val="85000"/>
+            </a:schemeClr>
+          </a:solidFill>
+          <a:ln>
+            <a:solidFill>
+              <a:schemeClr val="tx1"/>
+            </a:solidFill>
+          </a:ln>
+        </p:spPr>
+        <p:style>
+          <a:lnRef idx="2">
+            <a:schemeClr val="accent1">
+              <a:shade val="50000"/>
+            </a:schemeClr>
+          </a:lnRef>
+          <a:fillRef idx="1">
+            <a:schemeClr val="accent1"/>
+          </a:fillRef>
+          <a:effectRef idx="0">
+            <a:schemeClr val="accent1"/>
+          </a:effectRef>
+          <a:fontRef idx="minor">
+            <a:schemeClr val="lt1"/>
+          </a:fontRef>
+        </p:style>
+        <p:txBody>
+          <a:bodyPr rtlCol="0" anchor="ctr"/>
+          <a:lstStyle/>
+          <a:p>
+            <a:pPr algn="ctr"/>
+            <a:endParaRPr lang="ko-KR" altLang="en-US"/>
+          </a:p>
+        </p:txBody>
+      </p:sp>
+      <p:sp>
+        <p:nvSpPr>
+          <p:cNvPr id="74" name="타원 73">
+            <a:extLst>
+              <a:ext uri="{FF2B5EF4-FFF2-40B4-BE49-F238E27FC236}">
+                <a16:creationId xmlns:a16="http://schemas.microsoft.com/office/drawing/2014/main" id="{3DC66D4C-02AA-4881-AD19-743F7D1E56F1}"/>
+              </a:ext>
+            </a:extLst>
+          </p:cNvPr>
+          <p:cNvSpPr/>
+          <p:nvPr/>
+        </p:nvSpPr>
+        <p:spPr>
+          <a:xfrm>
+            <a:off x="8643861" y="4216899"/>
+            <a:ext cx="230814" cy="230814"/>
+          </a:xfrm>
+          <a:prstGeom prst="ellipse">
+            <a:avLst/>
+          </a:prstGeom>
+          <a:solidFill>
+            <a:schemeClr val="bg1">
+              <a:lumMod val="85000"/>
+            </a:schemeClr>
+          </a:solidFill>
+          <a:ln>
+            <a:solidFill>
+              <a:schemeClr val="tx1"/>
+            </a:solidFill>
+          </a:ln>
+        </p:spPr>
+        <p:style>
+          <a:lnRef idx="2">
+            <a:schemeClr val="accent1">
+              <a:shade val="50000"/>
+            </a:schemeClr>
+          </a:lnRef>
+          <a:fillRef idx="1">
+            <a:schemeClr val="accent1"/>
+          </a:fillRef>
+          <a:effectRef idx="0">
+            <a:schemeClr val="accent1"/>
+          </a:effectRef>
+          <a:fontRef idx="minor">
+            <a:schemeClr val="lt1"/>
+          </a:fontRef>
+        </p:style>
+        <p:txBody>
+          <a:bodyPr rtlCol="0" anchor="ctr"/>
+          <a:lstStyle/>
+          <a:p>
+            <a:pPr algn="ctr"/>
+            <a:endParaRPr lang="ko-KR" altLang="en-US"/>
+          </a:p>
+        </p:txBody>
+      </p:sp>
+      <p:sp>
+        <p:nvSpPr>
+          <p:cNvPr id="75" name="타원 74">
+            <a:extLst>
+              <a:ext uri="{FF2B5EF4-FFF2-40B4-BE49-F238E27FC236}">
+                <a16:creationId xmlns:a16="http://schemas.microsoft.com/office/drawing/2014/main" id="{76F043F5-40D8-4583-83E7-7DE153478AD3}"/>
+              </a:ext>
+            </a:extLst>
+          </p:cNvPr>
+          <p:cNvSpPr/>
+          <p:nvPr/>
+        </p:nvSpPr>
+        <p:spPr>
+          <a:xfrm>
+            <a:off x="7028163" y="4216899"/>
+            <a:ext cx="230814" cy="230814"/>
+          </a:xfrm>
+          <a:prstGeom prst="ellipse">
+            <a:avLst/>
+          </a:prstGeom>
+          <a:solidFill>
+            <a:schemeClr val="bg1">
+              <a:lumMod val="85000"/>
+            </a:schemeClr>
+          </a:solidFill>
+          <a:ln>
+            <a:solidFill>
+              <a:schemeClr val="tx1"/>
+            </a:solidFill>
+          </a:ln>
+        </p:spPr>
+        <p:style>
+          <a:lnRef idx="2">
+            <a:schemeClr val="accent1">
+              <a:shade val="50000"/>
+            </a:schemeClr>
+          </a:lnRef>
+          <a:fillRef idx="1">
+            <a:schemeClr val="accent1"/>
+          </a:fillRef>
+          <a:effectRef idx="0">
+            <a:schemeClr val="accent1"/>
+          </a:effectRef>
+          <a:fontRef idx="minor">
+            <a:schemeClr val="lt1"/>
+          </a:fontRef>
+        </p:style>
+        <p:txBody>
+          <a:bodyPr rtlCol="0" anchor="ctr"/>
+          <a:lstStyle/>
+          <a:p>
+            <a:pPr algn="ctr"/>
+            <a:endParaRPr lang="ko-KR" altLang="en-US"/>
+          </a:p>
+        </p:txBody>
+      </p:sp>
+      <p:sp>
+        <p:nvSpPr>
+          <p:cNvPr id="76" name="타원 75">
+            <a:extLst>
+              <a:ext uri="{FF2B5EF4-FFF2-40B4-BE49-F238E27FC236}">
+                <a16:creationId xmlns:a16="http://schemas.microsoft.com/office/drawing/2014/main" id="{54DF9D60-2A71-4760-A972-9ABE19DB8AA1}"/>
+              </a:ext>
+            </a:extLst>
+          </p:cNvPr>
+          <p:cNvSpPr/>
+          <p:nvPr/>
+        </p:nvSpPr>
+        <p:spPr>
+          <a:xfrm>
+            <a:off x="8182233" y="4216899"/>
+            <a:ext cx="230814" cy="230814"/>
+          </a:xfrm>
+          <a:prstGeom prst="ellipse">
+            <a:avLst/>
+          </a:prstGeom>
+          <a:solidFill>
+            <a:srgbClr val="FF5050"/>
+          </a:solidFill>
+          <a:ln>
+            <a:solidFill>
+              <a:schemeClr val="tx1"/>
+            </a:solidFill>
+          </a:ln>
+        </p:spPr>
+        <p:style>
+          <a:lnRef idx="2">
+            <a:schemeClr val="accent1">
+              <a:shade val="50000"/>
+            </a:schemeClr>
+          </a:lnRef>
+          <a:fillRef idx="1">
+            <a:schemeClr val="accent1"/>
+          </a:fillRef>
+          <a:effectRef idx="0">
+            <a:schemeClr val="accent1"/>
+          </a:effectRef>
+          <a:fontRef idx="minor">
+            <a:schemeClr val="lt1"/>
+          </a:fontRef>
+        </p:style>
+        <p:txBody>
+          <a:bodyPr rtlCol="0" anchor="ctr"/>
+          <a:lstStyle/>
+          <a:p>
+            <a:pPr algn="ctr"/>
+            <a:endParaRPr lang="ko-KR" altLang="en-US"/>
+          </a:p>
+        </p:txBody>
+      </p:sp>
+      <p:sp>
+        <p:nvSpPr>
+          <p:cNvPr id="77" name="타원 76">
+            <a:extLst>
+              <a:ext uri="{FF2B5EF4-FFF2-40B4-BE49-F238E27FC236}">
+                <a16:creationId xmlns:a16="http://schemas.microsoft.com/office/drawing/2014/main" id="{217ABD0C-215D-4365-923D-79834F4F4FF2}"/>
+              </a:ext>
+            </a:extLst>
+          </p:cNvPr>
+          <p:cNvSpPr/>
+          <p:nvPr/>
+        </p:nvSpPr>
+        <p:spPr>
+          <a:xfrm>
+            <a:off x="8413047" y="4216899"/>
+            <a:ext cx="230814" cy="230814"/>
+          </a:xfrm>
+          <a:prstGeom prst="ellipse">
+            <a:avLst/>
+          </a:prstGeom>
+          <a:solidFill>
+            <a:schemeClr val="bg1">
+              <a:lumMod val="85000"/>
+            </a:schemeClr>
+          </a:solidFill>
+          <a:ln>
+            <a:solidFill>
+              <a:schemeClr val="tx1"/>
+            </a:solidFill>
+          </a:ln>
+        </p:spPr>
+        <p:style>
+          <a:lnRef idx="2">
+            <a:schemeClr val="accent1">
+              <a:shade val="50000"/>
+            </a:schemeClr>
+          </a:lnRef>
+          <a:fillRef idx="1">
+            <a:schemeClr val="accent1"/>
+          </a:fillRef>
+          <a:effectRef idx="0">
+            <a:schemeClr val="accent1"/>
+          </a:effectRef>
+          <a:fontRef idx="minor">
+            <a:schemeClr val="lt1"/>
+          </a:fontRef>
+        </p:style>
+        <p:txBody>
+          <a:bodyPr rtlCol="0" anchor="ctr"/>
+          <a:lstStyle/>
+          <a:p>
+            <a:pPr algn="ctr"/>
+            <a:endParaRPr lang="ko-KR" altLang="en-US"/>
+          </a:p>
+        </p:txBody>
+      </p:sp>
+      <p:sp>
+        <p:nvSpPr>
+          <p:cNvPr id="78" name="타원 77">
+            <a:extLst>
+              <a:ext uri="{FF2B5EF4-FFF2-40B4-BE49-F238E27FC236}">
+                <a16:creationId xmlns:a16="http://schemas.microsoft.com/office/drawing/2014/main" id="{4E7DCD4B-2E17-4BC4-AF8E-C5AA05A652FC}"/>
+              </a:ext>
+            </a:extLst>
+          </p:cNvPr>
+          <p:cNvSpPr/>
+          <p:nvPr/>
+        </p:nvSpPr>
+        <p:spPr>
+          <a:xfrm>
+            <a:off x="7258976" y="3986084"/>
+            <a:ext cx="230814" cy="230814"/>
+          </a:xfrm>
+          <a:prstGeom prst="ellipse">
+            <a:avLst/>
+          </a:prstGeom>
+          <a:solidFill>
+            <a:schemeClr val="bg1">
+              <a:lumMod val="85000"/>
+            </a:schemeClr>
+          </a:solidFill>
+          <a:ln>
+            <a:solidFill>
+              <a:schemeClr val="tx1"/>
+            </a:solidFill>
+          </a:ln>
+        </p:spPr>
+        <p:style>
+          <a:lnRef idx="2">
+            <a:schemeClr val="accent1">
+              <a:shade val="50000"/>
+            </a:schemeClr>
+          </a:lnRef>
+          <a:fillRef idx="1">
+            <a:schemeClr val="accent1"/>
+          </a:fillRef>
+          <a:effectRef idx="0">
+            <a:schemeClr val="accent1"/>
+          </a:effectRef>
+          <a:fontRef idx="minor">
+            <a:schemeClr val="lt1"/>
+          </a:fontRef>
+        </p:style>
+        <p:txBody>
+          <a:bodyPr rtlCol="0" anchor="ctr"/>
+          <a:lstStyle/>
+          <a:p>
+            <a:pPr algn="ctr"/>
+            <a:endParaRPr lang="ko-KR" altLang="en-US"/>
+          </a:p>
+        </p:txBody>
+      </p:sp>
+      <p:sp>
+        <p:nvSpPr>
+          <p:cNvPr id="79" name="타원 78">
+            <a:extLst>
+              <a:ext uri="{FF2B5EF4-FFF2-40B4-BE49-F238E27FC236}">
+                <a16:creationId xmlns:a16="http://schemas.microsoft.com/office/drawing/2014/main" id="{C87082A4-0B29-415B-90E0-E0F4AE3A6CCB}"/>
+              </a:ext>
+            </a:extLst>
+          </p:cNvPr>
+          <p:cNvSpPr/>
+          <p:nvPr/>
+        </p:nvSpPr>
+        <p:spPr>
+          <a:xfrm>
+            <a:off x="7720605" y="3986085"/>
+            <a:ext cx="230814" cy="230814"/>
+          </a:xfrm>
+          <a:prstGeom prst="ellipse">
+            <a:avLst/>
+          </a:prstGeom>
+          <a:solidFill>
+            <a:srgbClr val="FF5050"/>
+          </a:solidFill>
+          <a:ln>
+            <a:solidFill>
+              <a:schemeClr val="tx1"/>
+            </a:solidFill>
+          </a:ln>
+        </p:spPr>
+        <p:style>
+          <a:lnRef idx="2">
+            <a:schemeClr val="accent1">
+              <a:shade val="50000"/>
+            </a:schemeClr>
+          </a:lnRef>
+          <a:fillRef idx="1">
+            <a:schemeClr val="accent1"/>
+          </a:fillRef>
+          <a:effectRef idx="0">
+            <a:schemeClr val="accent1"/>
+          </a:effectRef>
+          <a:fontRef idx="minor">
+            <a:schemeClr val="lt1"/>
+          </a:fontRef>
+        </p:style>
+        <p:txBody>
+          <a:bodyPr rtlCol="0" anchor="ctr"/>
+          <a:lstStyle/>
+          <a:p>
+            <a:pPr algn="ctr"/>
+            <a:endParaRPr lang="ko-KR" altLang="en-US"/>
+          </a:p>
+        </p:txBody>
+      </p:sp>
+      <p:sp>
+        <p:nvSpPr>
+          <p:cNvPr id="80" name="타원 79">
+            <a:extLst>
+              <a:ext uri="{FF2B5EF4-FFF2-40B4-BE49-F238E27FC236}">
+                <a16:creationId xmlns:a16="http://schemas.microsoft.com/office/drawing/2014/main" id="{24AE598B-F1B7-4A7C-8985-4891776F316C}"/>
+              </a:ext>
+            </a:extLst>
+          </p:cNvPr>
+          <p:cNvSpPr/>
+          <p:nvPr/>
+        </p:nvSpPr>
+        <p:spPr>
+          <a:xfrm>
+            <a:off x="7951419" y="3986085"/>
+            <a:ext cx="230814" cy="230814"/>
+          </a:xfrm>
+          <a:prstGeom prst="ellipse">
+            <a:avLst/>
+          </a:prstGeom>
+          <a:solidFill>
+            <a:srgbClr val="FF5050"/>
+          </a:solidFill>
+          <a:ln>
+            <a:solidFill>
+              <a:schemeClr val="tx1"/>
+            </a:solidFill>
+          </a:ln>
+        </p:spPr>
+        <p:style>
+          <a:lnRef idx="2">
+            <a:schemeClr val="accent1">
+              <a:shade val="50000"/>
+            </a:schemeClr>
+          </a:lnRef>
+          <a:fillRef idx="1">
+            <a:schemeClr val="accent1"/>
+          </a:fillRef>
+          <a:effectRef idx="0">
+            <a:schemeClr val="accent1"/>
+          </a:effectRef>
+          <a:fontRef idx="minor">
+            <a:schemeClr val="lt1"/>
+          </a:fontRef>
+        </p:style>
+        <p:txBody>
+          <a:bodyPr rtlCol="0" anchor="ctr"/>
+          <a:lstStyle/>
+          <a:p>
+            <a:pPr algn="ctr"/>
+            <a:endParaRPr lang="ko-KR" altLang="en-US"/>
+          </a:p>
+        </p:txBody>
+      </p:sp>
+      <p:sp>
+        <p:nvSpPr>
+          <p:cNvPr id="81" name="타원 80">
+            <a:extLst>
+              <a:ext uri="{FF2B5EF4-FFF2-40B4-BE49-F238E27FC236}">
+                <a16:creationId xmlns:a16="http://schemas.microsoft.com/office/drawing/2014/main" id="{2DD66E61-B65E-4717-B946-FF46375D705A}"/>
+              </a:ext>
+            </a:extLst>
+          </p:cNvPr>
+          <p:cNvSpPr/>
+          <p:nvPr/>
+        </p:nvSpPr>
+        <p:spPr>
+          <a:xfrm>
+            <a:off x="7489791" y="3986085"/>
+            <a:ext cx="230814" cy="230814"/>
+          </a:xfrm>
+          <a:prstGeom prst="ellipse">
+            <a:avLst/>
+          </a:prstGeom>
+          <a:solidFill>
+            <a:schemeClr val="bg1">
+              <a:lumMod val="85000"/>
+            </a:schemeClr>
+          </a:solidFill>
+          <a:ln>
+            <a:solidFill>
+              <a:schemeClr val="tx1"/>
+            </a:solidFill>
+          </a:ln>
+        </p:spPr>
+        <p:style>
+          <a:lnRef idx="2">
+            <a:schemeClr val="accent1">
+              <a:shade val="50000"/>
+            </a:schemeClr>
+          </a:lnRef>
+          <a:fillRef idx="1">
+            <a:schemeClr val="accent1"/>
+          </a:fillRef>
+          <a:effectRef idx="0">
+            <a:schemeClr val="accent1"/>
+          </a:effectRef>
+          <a:fontRef idx="minor">
+            <a:schemeClr val="lt1"/>
+          </a:fontRef>
+        </p:style>
+        <p:txBody>
+          <a:bodyPr rtlCol="0" anchor="ctr"/>
+          <a:lstStyle/>
+          <a:p>
+            <a:pPr algn="ctr"/>
+            <a:endParaRPr lang="ko-KR" altLang="en-US"/>
+          </a:p>
+        </p:txBody>
+      </p:sp>
+      <p:sp>
+        <p:nvSpPr>
+          <p:cNvPr id="82" name="타원 81">
+            <a:extLst>
+              <a:ext uri="{FF2B5EF4-FFF2-40B4-BE49-F238E27FC236}">
+                <a16:creationId xmlns:a16="http://schemas.microsoft.com/office/drawing/2014/main" id="{693B9980-89A7-44BB-99D7-7954A9DD5D48}"/>
+              </a:ext>
+            </a:extLst>
+          </p:cNvPr>
+          <p:cNvSpPr/>
+          <p:nvPr/>
+        </p:nvSpPr>
+        <p:spPr>
+          <a:xfrm>
+            <a:off x="8182233" y="3986085"/>
+            <a:ext cx="230814" cy="230814"/>
+          </a:xfrm>
+          <a:prstGeom prst="ellipse">
+            <a:avLst/>
+          </a:prstGeom>
+          <a:solidFill>
+            <a:srgbClr val="FF5050"/>
+          </a:solidFill>
+          <a:ln>
+            <a:solidFill>
+              <a:schemeClr val="tx1"/>
+            </a:solidFill>
+          </a:ln>
+        </p:spPr>
+        <p:style>
+          <a:lnRef idx="2">
+            <a:schemeClr val="accent1">
+              <a:shade val="50000"/>
+            </a:schemeClr>
+          </a:lnRef>
+          <a:fillRef idx="1">
+            <a:schemeClr val="accent1"/>
+          </a:fillRef>
+          <a:effectRef idx="0">
+            <a:schemeClr val="accent1"/>
+          </a:effectRef>
+          <a:fontRef idx="minor">
+            <a:schemeClr val="lt1"/>
+          </a:fontRef>
+        </p:style>
+        <p:txBody>
+          <a:bodyPr rtlCol="0" anchor="ctr"/>
+          <a:lstStyle/>
+          <a:p>
+            <a:pPr algn="ctr"/>
+            <a:endParaRPr lang="ko-KR" altLang="en-US"/>
+          </a:p>
+        </p:txBody>
+      </p:sp>
+      <p:sp>
+        <p:nvSpPr>
+          <p:cNvPr id="83" name="타원 82">
+            <a:extLst>
+              <a:ext uri="{FF2B5EF4-FFF2-40B4-BE49-F238E27FC236}">
+                <a16:creationId xmlns:a16="http://schemas.microsoft.com/office/drawing/2014/main" id="{23544450-8BAB-4710-9A3B-3E661BC15DAC}"/>
+              </a:ext>
+            </a:extLst>
+          </p:cNvPr>
+          <p:cNvSpPr/>
+          <p:nvPr/>
+        </p:nvSpPr>
+        <p:spPr>
+          <a:xfrm>
+            <a:off x="8413047" y="3986085"/>
+            <a:ext cx="230814" cy="230814"/>
+          </a:xfrm>
+          <a:prstGeom prst="ellipse">
+            <a:avLst/>
+          </a:prstGeom>
+          <a:solidFill>
+            <a:schemeClr val="bg1">
+              <a:lumMod val="85000"/>
+            </a:schemeClr>
+          </a:solidFill>
+          <a:ln>
+            <a:solidFill>
+              <a:schemeClr val="tx1"/>
+            </a:solidFill>
+          </a:ln>
+        </p:spPr>
+        <p:style>
+          <a:lnRef idx="2">
+            <a:schemeClr val="accent1">
+              <a:shade val="50000"/>
+            </a:schemeClr>
+          </a:lnRef>
+          <a:fillRef idx="1">
+            <a:schemeClr val="accent1"/>
+          </a:fillRef>
+          <a:effectRef idx="0">
+            <a:schemeClr val="accent1"/>
+          </a:effectRef>
+          <a:fontRef idx="minor">
+            <a:schemeClr val="lt1"/>
+          </a:fontRef>
+        </p:style>
+        <p:txBody>
+          <a:bodyPr rtlCol="0" anchor="ctr"/>
+          <a:lstStyle/>
+          <a:p>
+            <a:pPr algn="ctr"/>
+            <a:endParaRPr lang="ko-KR" altLang="en-US"/>
+          </a:p>
+        </p:txBody>
+      </p:sp>
+      <p:sp>
+        <p:nvSpPr>
+          <p:cNvPr id="84" name="타원 83">
+            <a:extLst>
+              <a:ext uri="{FF2B5EF4-FFF2-40B4-BE49-F238E27FC236}">
+                <a16:creationId xmlns:a16="http://schemas.microsoft.com/office/drawing/2014/main" id="{A5B9D867-64B4-4660-9E53-A03DAA4FFCD7}"/>
+              </a:ext>
+            </a:extLst>
+          </p:cNvPr>
+          <p:cNvSpPr/>
+          <p:nvPr/>
+        </p:nvSpPr>
+        <p:spPr>
+          <a:xfrm>
+            <a:off x="7720605" y="3755269"/>
+            <a:ext cx="230814" cy="230814"/>
+          </a:xfrm>
+          <a:prstGeom prst="ellipse">
+            <a:avLst/>
+          </a:prstGeom>
+          <a:solidFill>
+            <a:srgbClr val="FF5050"/>
+          </a:solidFill>
+          <a:ln>
+            <a:solidFill>
+              <a:schemeClr val="tx1"/>
+            </a:solidFill>
+          </a:ln>
+        </p:spPr>
+        <p:style>
+          <a:lnRef idx="2">
+            <a:schemeClr val="accent1">
+              <a:shade val="50000"/>
+            </a:schemeClr>
+          </a:lnRef>
+          <a:fillRef idx="1">
+            <a:schemeClr val="accent1"/>
+          </a:fillRef>
+          <a:effectRef idx="0">
+            <a:schemeClr val="accent1"/>
+          </a:effectRef>
+          <a:fontRef idx="minor">
+            <a:schemeClr val="lt1"/>
+          </a:fontRef>
+        </p:style>
+        <p:txBody>
+          <a:bodyPr rtlCol="0" anchor="ctr"/>
+          <a:lstStyle/>
+          <a:p>
+            <a:pPr algn="ctr"/>
+            <a:endParaRPr lang="ko-KR" altLang="en-US"/>
+          </a:p>
+        </p:txBody>
+      </p:sp>
+      <p:sp>
+        <p:nvSpPr>
+          <p:cNvPr id="85" name="타원 84">
+            <a:extLst>
+              <a:ext uri="{FF2B5EF4-FFF2-40B4-BE49-F238E27FC236}">
+                <a16:creationId xmlns:a16="http://schemas.microsoft.com/office/drawing/2014/main" id="{F67E8025-5B46-49EB-A01D-D8D9A21D8540}"/>
+              </a:ext>
+            </a:extLst>
+          </p:cNvPr>
+          <p:cNvSpPr/>
+          <p:nvPr/>
+        </p:nvSpPr>
+        <p:spPr>
+          <a:xfrm>
+            <a:off x="7951419" y="3755269"/>
+            <a:ext cx="230814" cy="230814"/>
+          </a:xfrm>
+          <a:prstGeom prst="ellipse">
+            <a:avLst/>
+          </a:prstGeom>
+          <a:solidFill>
+            <a:srgbClr val="FF5050"/>
+          </a:solidFill>
+          <a:ln>
+            <a:solidFill>
+              <a:schemeClr val="tx1"/>
+            </a:solidFill>
+          </a:ln>
+        </p:spPr>
+        <p:style>
+          <a:lnRef idx="2">
+            <a:schemeClr val="accent1">
+              <a:shade val="50000"/>
+            </a:schemeClr>
+          </a:lnRef>
+          <a:fillRef idx="1">
+            <a:schemeClr val="accent1"/>
+          </a:fillRef>
+          <a:effectRef idx="0">
+            <a:schemeClr val="accent1"/>
+          </a:effectRef>
+          <a:fontRef idx="minor">
+            <a:schemeClr val="lt1"/>
+          </a:fontRef>
+        </p:style>
+        <p:txBody>
+          <a:bodyPr rtlCol="0" anchor="ctr"/>
+          <a:lstStyle/>
+          <a:p>
+            <a:pPr algn="ctr"/>
+            <a:endParaRPr lang="ko-KR" altLang="en-US"/>
+          </a:p>
+        </p:txBody>
+      </p:sp>
+      <p:sp>
+        <p:nvSpPr>
+          <p:cNvPr id="86" name="타원 85">
+            <a:extLst>
+              <a:ext uri="{FF2B5EF4-FFF2-40B4-BE49-F238E27FC236}">
+                <a16:creationId xmlns:a16="http://schemas.microsoft.com/office/drawing/2014/main" id="{F6063255-CCA0-4949-AE7F-7E25CEB9C80A}"/>
+              </a:ext>
+            </a:extLst>
+          </p:cNvPr>
+          <p:cNvSpPr/>
+          <p:nvPr/>
+        </p:nvSpPr>
+        <p:spPr>
+          <a:xfrm>
+            <a:off x="7489791" y="3755269"/>
+            <a:ext cx="230814" cy="230814"/>
+          </a:xfrm>
+          <a:prstGeom prst="ellipse">
+            <a:avLst/>
+          </a:prstGeom>
+          <a:solidFill>
+            <a:schemeClr val="bg1">
+              <a:lumMod val="85000"/>
+            </a:schemeClr>
+          </a:solidFill>
+          <a:ln>
+            <a:solidFill>
+              <a:schemeClr val="tx1"/>
+            </a:solidFill>
+          </a:ln>
+        </p:spPr>
+        <p:style>
+          <a:lnRef idx="2">
+            <a:schemeClr val="accent1">
+              <a:shade val="50000"/>
+            </a:schemeClr>
+          </a:lnRef>
+          <a:fillRef idx="1">
+            <a:schemeClr val="accent1"/>
+          </a:fillRef>
+          <a:effectRef idx="0">
+            <a:schemeClr val="accent1"/>
+          </a:effectRef>
+          <a:fontRef idx="minor">
+            <a:schemeClr val="lt1"/>
+          </a:fontRef>
+        </p:style>
+        <p:txBody>
+          <a:bodyPr rtlCol="0" anchor="ctr"/>
+          <a:lstStyle/>
+          <a:p>
+            <a:pPr algn="ctr"/>
+            <a:endParaRPr lang="ko-KR" altLang="en-US"/>
+          </a:p>
+        </p:txBody>
+      </p:sp>
+      <p:sp>
+        <p:nvSpPr>
+          <p:cNvPr id="87" name="타원 86">
+            <a:extLst>
+              <a:ext uri="{FF2B5EF4-FFF2-40B4-BE49-F238E27FC236}">
+                <a16:creationId xmlns:a16="http://schemas.microsoft.com/office/drawing/2014/main" id="{E0064C2C-641A-4227-A068-7C39EC9A445F}"/>
+              </a:ext>
+            </a:extLst>
+          </p:cNvPr>
+          <p:cNvSpPr/>
+          <p:nvPr/>
+        </p:nvSpPr>
+        <p:spPr>
+          <a:xfrm>
+            <a:off x="8182233" y="3755269"/>
+            <a:ext cx="230814" cy="230814"/>
+          </a:xfrm>
+          <a:prstGeom prst="ellipse">
+            <a:avLst/>
+          </a:prstGeom>
+          <a:solidFill>
+            <a:srgbClr val="FF5050"/>
+          </a:solidFill>
+          <a:ln>
+            <a:solidFill>
+              <a:schemeClr val="tx1"/>
+            </a:solidFill>
+          </a:ln>
+        </p:spPr>
+        <p:style>
+          <a:lnRef idx="2">
+            <a:schemeClr val="accent1">
+              <a:shade val="50000"/>
+            </a:schemeClr>
+          </a:lnRef>
+          <a:fillRef idx="1">
+            <a:schemeClr val="accent1"/>
+          </a:fillRef>
+          <a:effectRef idx="0">
+            <a:schemeClr val="accent1"/>
+          </a:effectRef>
+          <a:fontRef idx="minor">
+            <a:schemeClr val="lt1"/>
+          </a:fontRef>
+        </p:style>
+        <p:txBody>
+          <a:bodyPr rtlCol="0" anchor="ctr"/>
+          <a:lstStyle/>
+          <a:p>
+            <a:pPr algn="ctr"/>
+            <a:endParaRPr lang="ko-KR" altLang="en-US"/>
+          </a:p>
+        </p:txBody>
+      </p:sp>
+      <p:sp>
+        <p:nvSpPr>
+          <p:cNvPr id="88" name="타원 87">
+            <a:extLst>
+              <a:ext uri="{FF2B5EF4-FFF2-40B4-BE49-F238E27FC236}">
+                <a16:creationId xmlns:a16="http://schemas.microsoft.com/office/drawing/2014/main" id="{04BE7221-E927-4ED3-931E-3230756D5334}"/>
+              </a:ext>
+            </a:extLst>
+          </p:cNvPr>
+          <p:cNvSpPr/>
+          <p:nvPr/>
+        </p:nvSpPr>
+        <p:spPr>
+          <a:xfrm>
+            <a:off x="7720605" y="3524454"/>
+            <a:ext cx="230814" cy="230814"/>
+          </a:xfrm>
+          <a:prstGeom prst="ellipse">
+            <a:avLst/>
+          </a:prstGeom>
+          <a:solidFill>
+            <a:schemeClr val="bg1">
+              <a:lumMod val="85000"/>
+            </a:schemeClr>
+          </a:solidFill>
+          <a:ln>
+            <a:solidFill>
+              <a:schemeClr val="tx1"/>
+            </a:solidFill>
+          </a:ln>
+        </p:spPr>
+        <p:style>
+          <a:lnRef idx="2">
+            <a:schemeClr val="accent1">
+              <a:shade val="50000"/>
+            </a:schemeClr>
+          </a:lnRef>
+          <a:fillRef idx="1">
+            <a:schemeClr val="accent1"/>
+          </a:fillRef>
+          <a:effectRef idx="0">
+            <a:schemeClr val="accent1"/>
+          </a:effectRef>
+          <a:fontRef idx="minor">
+            <a:schemeClr val="lt1"/>
+          </a:fontRef>
+        </p:style>
+        <p:txBody>
+          <a:bodyPr rtlCol="0" anchor="ctr"/>
+          <a:lstStyle/>
+          <a:p>
+            <a:pPr algn="ctr"/>
+            <a:endParaRPr lang="ko-KR" altLang="en-US"/>
+          </a:p>
+        </p:txBody>
+      </p:sp>
+      <p:sp>
+        <p:nvSpPr>
+          <p:cNvPr id="89" name="타원 88">
+            <a:extLst>
+              <a:ext uri="{FF2B5EF4-FFF2-40B4-BE49-F238E27FC236}">
+                <a16:creationId xmlns:a16="http://schemas.microsoft.com/office/drawing/2014/main" id="{1DC55CBF-BBF8-461F-9E57-1158A1A2213B}"/>
+              </a:ext>
+            </a:extLst>
+          </p:cNvPr>
+          <p:cNvSpPr/>
+          <p:nvPr/>
+        </p:nvSpPr>
+        <p:spPr>
+          <a:xfrm>
+            <a:off x="7951419" y="3524454"/>
+            <a:ext cx="230814" cy="230814"/>
+          </a:xfrm>
+          <a:prstGeom prst="ellipse">
+            <a:avLst/>
+          </a:prstGeom>
+          <a:solidFill>
+            <a:schemeClr val="bg1">
+              <a:lumMod val="85000"/>
+            </a:schemeClr>
+          </a:solidFill>
+          <a:ln>
+            <a:solidFill>
+              <a:schemeClr val="tx1"/>
+            </a:solidFill>
+          </a:ln>
+        </p:spPr>
+        <p:style>
+          <a:lnRef idx="2">
+            <a:schemeClr val="accent1">
+              <a:shade val="50000"/>
+            </a:schemeClr>
+          </a:lnRef>
+          <a:fillRef idx="1">
+            <a:schemeClr val="accent1"/>
+          </a:fillRef>
+          <a:effectRef idx="0">
+            <a:schemeClr val="accent1"/>
+          </a:effectRef>
+          <a:fontRef idx="minor">
+            <a:schemeClr val="lt1"/>
+          </a:fontRef>
+        </p:style>
+        <p:txBody>
+          <a:bodyPr rtlCol="0" anchor="ctr"/>
+          <a:lstStyle/>
+          <a:p>
+            <a:pPr algn="ctr"/>
+            <a:endParaRPr lang="ko-KR" altLang="en-US"/>
+          </a:p>
+        </p:txBody>
+      </p:sp>
+      <p:sp>
+        <p:nvSpPr>
+          <p:cNvPr id="90" name="타원 89">
+            <a:extLst>
+              <a:ext uri="{FF2B5EF4-FFF2-40B4-BE49-F238E27FC236}">
+                <a16:creationId xmlns:a16="http://schemas.microsoft.com/office/drawing/2014/main" id="{E0F715A2-C47F-4582-A2D7-2E58B8B59526}"/>
+              </a:ext>
+            </a:extLst>
+          </p:cNvPr>
+          <p:cNvSpPr/>
+          <p:nvPr/>
+        </p:nvSpPr>
+        <p:spPr>
+          <a:xfrm>
+            <a:off x="6797349" y="4216899"/>
+            <a:ext cx="230814" cy="230814"/>
+          </a:xfrm>
+          <a:prstGeom prst="ellipse">
+            <a:avLst/>
+          </a:prstGeom>
+          <a:solidFill>
+            <a:schemeClr val="bg1">
+              <a:lumMod val="85000"/>
+            </a:schemeClr>
+          </a:solidFill>
+          <a:ln>
+            <a:solidFill>
+              <a:schemeClr val="tx1"/>
+            </a:solidFill>
+          </a:ln>
+        </p:spPr>
+        <p:style>
+          <a:lnRef idx="2">
+            <a:schemeClr val="accent1">
+              <a:shade val="50000"/>
+            </a:schemeClr>
+          </a:lnRef>
+          <a:fillRef idx="1">
+            <a:schemeClr val="accent1"/>
+          </a:fillRef>
+          <a:effectRef idx="0">
+            <a:schemeClr val="accent1"/>
+          </a:effectRef>
+          <a:fontRef idx="minor">
+            <a:schemeClr val="lt1"/>
+          </a:fontRef>
+        </p:style>
+        <p:txBody>
+          <a:bodyPr rtlCol="0" anchor="ctr"/>
+          <a:lstStyle/>
+          <a:p>
+            <a:pPr algn="ctr"/>
+            <a:endParaRPr lang="ko-KR" altLang="en-US"/>
+          </a:p>
+        </p:txBody>
+      </p:sp>
+      <p:sp>
+        <p:nvSpPr>
+          <p:cNvPr id="91" name="타원 90">
+            <a:extLst>
+              <a:ext uri="{FF2B5EF4-FFF2-40B4-BE49-F238E27FC236}">
+                <a16:creationId xmlns:a16="http://schemas.microsoft.com/office/drawing/2014/main" id="{AC5DDE7D-44B5-49EC-9FAB-50836F95F053}"/>
+              </a:ext>
+            </a:extLst>
+          </p:cNvPr>
+          <p:cNvSpPr/>
+          <p:nvPr/>
+        </p:nvSpPr>
+        <p:spPr>
+          <a:xfrm>
+            <a:off x="7028162" y="3986084"/>
+            <a:ext cx="230814" cy="230814"/>
+          </a:xfrm>
+          <a:prstGeom prst="ellipse">
+            <a:avLst/>
+          </a:prstGeom>
+          <a:solidFill>
+            <a:schemeClr val="bg1">
+              <a:lumMod val="85000"/>
+            </a:schemeClr>
+          </a:solidFill>
+          <a:ln>
+            <a:solidFill>
+              <a:schemeClr val="tx1"/>
+            </a:solidFill>
+          </a:ln>
+        </p:spPr>
+        <p:style>
+          <a:lnRef idx="2">
+            <a:schemeClr val="accent1">
+              <a:shade val="50000"/>
+            </a:schemeClr>
+          </a:lnRef>
+          <a:fillRef idx="1">
+            <a:schemeClr val="accent1"/>
+          </a:fillRef>
+          <a:effectRef idx="0">
+            <a:schemeClr val="accent1"/>
+          </a:effectRef>
+          <a:fontRef idx="minor">
+            <a:schemeClr val="lt1"/>
+          </a:fontRef>
+        </p:style>
+        <p:txBody>
+          <a:bodyPr rtlCol="0" anchor="ctr"/>
+          <a:lstStyle/>
+          <a:p>
+            <a:pPr algn="ctr"/>
+            <a:endParaRPr lang="ko-KR" altLang="en-US"/>
+          </a:p>
+        </p:txBody>
+      </p:sp>
+      <p:sp>
+        <p:nvSpPr>
+          <p:cNvPr id="92" name="타원 91">
+            <a:extLst>
+              <a:ext uri="{FF2B5EF4-FFF2-40B4-BE49-F238E27FC236}">
+                <a16:creationId xmlns:a16="http://schemas.microsoft.com/office/drawing/2014/main" id="{0C745200-4E18-44E2-9FDD-C0C4241CB513}"/>
+              </a:ext>
+            </a:extLst>
+          </p:cNvPr>
+          <p:cNvSpPr/>
+          <p:nvPr/>
+        </p:nvSpPr>
+        <p:spPr>
+          <a:xfrm>
+            <a:off x="7258977" y="3755269"/>
+            <a:ext cx="230814" cy="230814"/>
+          </a:xfrm>
+          <a:prstGeom prst="ellipse">
+            <a:avLst/>
+          </a:prstGeom>
+          <a:solidFill>
+            <a:schemeClr val="bg1">
+              <a:lumMod val="85000"/>
+            </a:schemeClr>
+          </a:solidFill>
+          <a:ln>
+            <a:solidFill>
+              <a:schemeClr val="tx1"/>
+            </a:solidFill>
+          </a:ln>
+        </p:spPr>
+        <p:style>
+          <a:lnRef idx="2">
+            <a:schemeClr val="accent1">
+              <a:shade val="50000"/>
+            </a:schemeClr>
+          </a:lnRef>
+          <a:fillRef idx="1">
+            <a:schemeClr val="accent1"/>
+          </a:fillRef>
+          <a:effectRef idx="0">
+            <a:schemeClr val="accent1"/>
+          </a:effectRef>
+          <a:fontRef idx="minor">
+            <a:schemeClr val="lt1"/>
+          </a:fontRef>
+        </p:style>
+        <p:txBody>
+          <a:bodyPr rtlCol="0" anchor="ctr"/>
+          <a:lstStyle/>
+          <a:p>
+            <a:pPr algn="ctr"/>
+            <a:endParaRPr lang="ko-KR" altLang="en-US"/>
+          </a:p>
+        </p:txBody>
+      </p:sp>
+      <p:sp>
+        <p:nvSpPr>
+          <p:cNvPr id="93" name="타원 92">
+            <a:extLst>
+              <a:ext uri="{FF2B5EF4-FFF2-40B4-BE49-F238E27FC236}">
+                <a16:creationId xmlns:a16="http://schemas.microsoft.com/office/drawing/2014/main" id="{26B590D8-ECD5-4235-9337-4C355C37661F}"/>
+              </a:ext>
+            </a:extLst>
+          </p:cNvPr>
+          <p:cNvSpPr/>
+          <p:nvPr/>
+        </p:nvSpPr>
+        <p:spPr>
+          <a:xfrm>
+            <a:off x="7489791" y="3524454"/>
+            <a:ext cx="230814" cy="230814"/>
+          </a:xfrm>
+          <a:prstGeom prst="ellipse">
+            <a:avLst/>
+          </a:prstGeom>
+          <a:solidFill>
+            <a:schemeClr val="bg1">
+              <a:lumMod val="85000"/>
+            </a:schemeClr>
+          </a:solidFill>
+          <a:ln>
+            <a:solidFill>
+              <a:schemeClr val="tx1"/>
+            </a:solidFill>
+          </a:ln>
+        </p:spPr>
+        <p:style>
+          <a:lnRef idx="2">
+            <a:schemeClr val="accent1">
+              <a:shade val="50000"/>
+            </a:schemeClr>
+          </a:lnRef>
+          <a:fillRef idx="1">
+            <a:schemeClr val="accent1"/>
+          </a:fillRef>
+          <a:effectRef idx="0">
+            <a:schemeClr val="accent1"/>
+          </a:effectRef>
+          <a:fontRef idx="minor">
+            <a:schemeClr val="lt1"/>
+          </a:fontRef>
+        </p:style>
+        <p:txBody>
+          <a:bodyPr rtlCol="0" anchor="ctr"/>
+          <a:lstStyle/>
+          <a:p>
+            <a:pPr algn="ctr"/>
+            <a:endParaRPr lang="ko-KR" altLang="en-US"/>
+          </a:p>
+        </p:txBody>
+      </p:sp>
+      <p:sp>
+        <p:nvSpPr>
+          <p:cNvPr id="94" name="타원 93">
+            <a:extLst>
+              <a:ext uri="{FF2B5EF4-FFF2-40B4-BE49-F238E27FC236}">
+                <a16:creationId xmlns:a16="http://schemas.microsoft.com/office/drawing/2014/main" id="{37ECE030-B39D-4CC7-8DBB-12E85A6BC3FC}"/>
+              </a:ext>
+            </a:extLst>
+          </p:cNvPr>
+          <p:cNvSpPr/>
+          <p:nvPr/>
+        </p:nvSpPr>
+        <p:spPr>
+          <a:xfrm>
+            <a:off x="7720605" y="3293273"/>
+            <a:ext cx="230814" cy="230814"/>
+          </a:xfrm>
+          <a:prstGeom prst="ellipse">
+            <a:avLst/>
+          </a:prstGeom>
+          <a:solidFill>
+            <a:schemeClr val="bg1">
+              <a:lumMod val="85000"/>
+            </a:schemeClr>
+          </a:solidFill>
+          <a:ln>
+            <a:solidFill>
+              <a:schemeClr val="tx1"/>
+            </a:solidFill>
+          </a:ln>
+        </p:spPr>
+        <p:style>
+          <a:lnRef idx="2">
+            <a:schemeClr val="accent1">
+              <a:shade val="50000"/>
+            </a:schemeClr>
+          </a:lnRef>
+          <a:fillRef idx="1">
+            <a:schemeClr val="accent1"/>
+          </a:fillRef>
+          <a:effectRef idx="0">
+            <a:schemeClr val="accent1"/>
+          </a:effectRef>
+          <a:fontRef idx="minor">
+            <a:schemeClr val="lt1"/>
+          </a:fontRef>
+        </p:style>
+        <p:txBody>
+          <a:bodyPr rtlCol="0" anchor="ctr"/>
+          <a:lstStyle/>
+          <a:p>
+            <a:pPr algn="ctr"/>
+            <a:endParaRPr lang="ko-KR" altLang="en-US"/>
+          </a:p>
+        </p:txBody>
+      </p:sp>
+      <p:sp>
+        <p:nvSpPr>
+          <p:cNvPr id="95" name="타원 94">
+            <a:extLst>
+              <a:ext uri="{FF2B5EF4-FFF2-40B4-BE49-F238E27FC236}">
+                <a16:creationId xmlns:a16="http://schemas.microsoft.com/office/drawing/2014/main" id="{81B2C5A8-B582-410B-9316-D9E9E06A3FEA}"/>
+              </a:ext>
+            </a:extLst>
+          </p:cNvPr>
+          <p:cNvSpPr/>
+          <p:nvPr/>
+        </p:nvSpPr>
+        <p:spPr>
+          <a:xfrm>
+            <a:off x="6563557" y="4216899"/>
+            <a:ext cx="230814" cy="230814"/>
+          </a:xfrm>
+          <a:prstGeom prst="ellipse">
+            <a:avLst/>
+          </a:prstGeom>
+          <a:solidFill>
+            <a:schemeClr val="bg1">
+              <a:lumMod val="85000"/>
+            </a:schemeClr>
+          </a:solidFill>
+          <a:ln>
+            <a:solidFill>
+              <a:schemeClr val="tx1"/>
+            </a:solidFill>
+          </a:ln>
+        </p:spPr>
+        <p:style>
+          <a:lnRef idx="2">
+            <a:schemeClr val="accent1">
+              <a:shade val="50000"/>
+            </a:schemeClr>
+          </a:lnRef>
+          <a:fillRef idx="1">
+            <a:schemeClr val="accent1"/>
+          </a:fillRef>
+          <a:effectRef idx="0">
+            <a:schemeClr val="accent1"/>
+          </a:effectRef>
+          <a:fontRef idx="minor">
+            <a:schemeClr val="lt1"/>
+          </a:fontRef>
+        </p:style>
+        <p:txBody>
+          <a:bodyPr rtlCol="0" anchor="ctr"/>
+          <a:lstStyle/>
+          <a:p>
+            <a:pPr algn="ctr"/>
+            <a:endParaRPr lang="ko-KR" altLang="en-US"/>
+          </a:p>
+        </p:txBody>
+      </p:sp>
+      <p:sp>
+        <p:nvSpPr>
+          <p:cNvPr id="96" name="타원 95">
+            <a:extLst>
+              <a:ext uri="{FF2B5EF4-FFF2-40B4-BE49-F238E27FC236}">
+                <a16:creationId xmlns:a16="http://schemas.microsoft.com/office/drawing/2014/main" id="{7C87307A-7F5A-4722-842A-F92C68966C06}"/>
+              </a:ext>
+            </a:extLst>
+          </p:cNvPr>
+          <p:cNvSpPr/>
+          <p:nvPr/>
+        </p:nvSpPr>
+        <p:spPr>
+          <a:xfrm>
+            <a:off x="6794370" y="3986084"/>
+            <a:ext cx="230814" cy="230814"/>
+          </a:xfrm>
+          <a:prstGeom prst="ellipse">
+            <a:avLst/>
+          </a:prstGeom>
+          <a:solidFill>
+            <a:schemeClr val="bg1">
+              <a:lumMod val="85000"/>
+            </a:schemeClr>
+          </a:solidFill>
+          <a:ln>
+            <a:solidFill>
+              <a:schemeClr val="tx1"/>
+            </a:solidFill>
+          </a:ln>
+        </p:spPr>
+        <p:style>
+          <a:lnRef idx="2">
+            <a:schemeClr val="accent1">
+              <a:shade val="50000"/>
+            </a:schemeClr>
+          </a:lnRef>
+          <a:fillRef idx="1">
+            <a:schemeClr val="accent1"/>
+          </a:fillRef>
+          <a:effectRef idx="0">
+            <a:schemeClr val="accent1"/>
+          </a:effectRef>
+          <a:fontRef idx="minor">
+            <a:schemeClr val="lt1"/>
+          </a:fontRef>
+        </p:style>
+        <p:txBody>
+          <a:bodyPr rtlCol="0" anchor="ctr"/>
+          <a:lstStyle/>
+          <a:p>
+            <a:pPr algn="ctr"/>
+            <a:endParaRPr lang="ko-KR" altLang="en-US"/>
+          </a:p>
+        </p:txBody>
+      </p:sp>
+      <p:sp>
+        <p:nvSpPr>
+          <p:cNvPr id="97" name="타원 96">
+            <a:extLst>
+              <a:ext uri="{FF2B5EF4-FFF2-40B4-BE49-F238E27FC236}">
+                <a16:creationId xmlns:a16="http://schemas.microsoft.com/office/drawing/2014/main" id="{0ABC91E9-FE3A-411A-8703-4A0D1E13B234}"/>
+              </a:ext>
+            </a:extLst>
+          </p:cNvPr>
+          <p:cNvSpPr/>
+          <p:nvPr/>
+        </p:nvSpPr>
+        <p:spPr>
+          <a:xfrm>
+            <a:off x="7025185" y="3755269"/>
+            <a:ext cx="230814" cy="230814"/>
+          </a:xfrm>
+          <a:prstGeom prst="ellipse">
+            <a:avLst/>
+          </a:prstGeom>
+          <a:solidFill>
+            <a:schemeClr val="bg1">
+              <a:lumMod val="85000"/>
+            </a:schemeClr>
+          </a:solidFill>
+          <a:ln>
+            <a:solidFill>
+              <a:schemeClr val="tx1"/>
+            </a:solidFill>
+          </a:ln>
+        </p:spPr>
+        <p:style>
+          <a:lnRef idx="2">
+            <a:schemeClr val="accent1">
+              <a:shade val="50000"/>
+            </a:schemeClr>
+          </a:lnRef>
+          <a:fillRef idx="1">
+            <a:schemeClr val="accent1"/>
+          </a:fillRef>
+          <a:effectRef idx="0">
+            <a:schemeClr val="accent1"/>
+          </a:effectRef>
+          <a:fontRef idx="minor">
+            <a:schemeClr val="lt1"/>
+          </a:fontRef>
+        </p:style>
+        <p:txBody>
+          <a:bodyPr rtlCol="0" anchor="ctr"/>
+          <a:lstStyle/>
+          <a:p>
+            <a:pPr algn="ctr"/>
+            <a:endParaRPr lang="ko-KR" altLang="en-US"/>
+          </a:p>
+        </p:txBody>
+      </p:sp>
+      <p:sp>
+        <p:nvSpPr>
+          <p:cNvPr id="98" name="타원 97">
+            <a:extLst>
+              <a:ext uri="{FF2B5EF4-FFF2-40B4-BE49-F238E27FC236}">
+                <a16:creationId xmlns:a16="http://schemas.microsoft.com/office/drawing/2014/main" id="{1C696379-D8C0-4E84-AE23-3A7599856E8C}"/>
+              </a:ext>
+            </a:extLst>
+          </p:cNvPr>
+          <p:cNvSpPr/>
+          <p:nvPr/>
+        </p:nvSpPr>
+        <p:spPr>
+          <a:xfrm>
+            <a:off x="7255999" y="3524454"/>
+            <a:ext cx="230814" cy="230814"/>
+          </a:xfrm>
+          <a:prstGeom prst="ellipse">
+            <a:avLst/>
+          </a:prstGeom>
+          <a:solidFill>
+            <a:schemeClr val="bg1">
+              <a:lumMod val="85000"/>
+            </a:schemeClr>
+          </a:solidFill>
+          <a:ln>
+            <a:solidFill>
+              <a:schemeClr val="tx1"/>
+            </a:solidFill>
+          </a:ln>
+        </p:spPr>
+        <p:style>
+          <a:lnRef idx="2">
+            <a:schemeClr val="accent1">
+              <a:shade val="50000"/>
+            </a:schemeClr>
+          </a:lnRef>
+          <a:fillRef idx="1">
+            <a:schemeClr val="accent1"/>
+          </a:fillRef>
+          <a:effectRef idx="0">
+            <a:schemeClr val="accent1"/>
+          </a:effectRef>
+          <a:fontRef idx="minor">
+            <a:schemeClr val="lt1"/>
+          </a:fontRef>
+        </p:style>
+        <p:txBody>
+          <a:bodyPr rtlCol="0" anchor="ctr"/>
+          <a:lstStyle/>
+          <a:p>
+            <a:pPr algn="ctr"/>
+            <a:endParaRPr lang="ko-KR" altLang="en-US"/>
+          </a:p>
+        </p:txBody>
+      </p:sp>
+      <p:sp>
+        <p:nvSpPr>
+          <p:cNvPr id="99" name="타원 98">
+            <a:extLst>
+              <a:ext uri="{FF2B5EF4-FFF2-40B4-BE49-F238E27FC236}">
+                <a16:creationId xmlns:a16="http://schemas.microsoft.com/office/drawing/2014/main" id="{C7F4C747-2535-4414-825A-6CA29E491C20}"/>
+              </a:ext>
+            </a:extLst>
+          </p:cNvPr>
+          <p:cNvSpPr/>
+          <p:nvPr/>
+        </p:nvSpPr>
+        <p:spPr>
+          <a:xfrm>
+            <a:off x="7486813" y="3293273"/>
+            <a:ext cx="230814" cy="230814"/>
+          </a:xfrm>
+          <a:prstGeom prst="ellipse">
+            <a:avLst/>
+          </a:prstGeom>
+          <a:solidFill>
+            <a:schemeClr val="bg1">
+              <a:lumMod val="85000"/>
+            </a:schemeClr>
+          </a:solidFill>
+          <a:ln>
+            <a:solidFill>
+              <a:schemeClr val="tx1"/>
+            </a:solidFill>
+          </a:ln>
+        </p:spPr>
+        <p:style>
+          <a:lnRef idx="2">
+            <a:schemeClr val="accent1">
+              <a:shade val="50000"/>
+            </a:schemeClr>
+          </a:lnRef>
+          <a:fillRef idx="1">
+            <a:schemeClr val="accent1"/>
+          </a:fillRef>
+          <a:effectRef idx="0">
+            <a:schemeClr val="accent1"/>
+          </a:effectRef>
+          <a:fontRef idx="minor">
+            <a:schemeClr val="lt1"/>
+          </a:fontRef>
+        </p:style>
+        <p:txBody>
+          <a:bodyPr rtlCol="0" anchor="ctr"/>
+          <a:lstStyle/>
+          <a:p>
+            <a:pPr algn="ctr"/>
+            <a:endParaRPr lang="ko-KR" altLang="en-US"/>
+          </a:p>
+        </p:txBody>
+      </p:sp>
+      <p:sp>
+        <p:nvSpPr>
+          <p:cNvPr id="100" name="타원 99">
+            <a:extLst>
+              <a:ext uri="{FF2B5EF4-FFF2-40B4-BE49-F238E27FC236}">
+                <a16:creationId xmlns:a16="http://schemas.microsoft.com/office/drawing/2014/main" id="{32A1B606-92F9-46CD-92B9-1BF70CB43D5D}"/>
+              </a:ext>
+            </a:extLst>
+          </p:cNvPr>
+          <p:cNvSpPr/>
+          <p:nvPr/>
+        </p:nvSpPr>
+        <p:spPr>
+          <a:xfrm>
+            <a:off x="6329677" y="4216899"/>
+            <a:ext cx="230814" cy="230814"/>
+          </a:xfrm>
+          <a:prstGeom prst="ellipse">
+            <a:avLst/>
+          </a:prstGeom>
+          <a:solidFill>
+            <a:schemeClr val="bg1">
+              <a:lumMod val="85000"/>
+            </a:schemeClr>
+          </a:solidFill>
+          <a:ln>
+            <a:solidFill>
+              <a:schemeClr val="tx1"/>
+            </a:solidFill>
+          </a:ln>
+        </p:spPr>
+        <p:style>
+          <a:lnRef idx="2">
+            <a:schemeClr val="accent1">
+              <a:shade val="50000"/>
+            </a:schemeClr>
+          </a:lnRef>
+          <a:fillRef idx="1">
+            <a:schemeClr val="accent1"/>
+          </a:fillRef>
+          <a:effectRef idx="0">
+            <a:schemeClr val="accent1"/>
+          </a:effectRef>
+          <a:fontRef idx="minor">
+            <a:schemeClr val="lt1"/>
+          </a:fontRef>
+        </p:style>
+        <p:txBody>
+          <a:bodyPr rtlCol="0" anchor="ctr"/>
+          <a:lstStyle/>
+          <a:p>
+            <a:pPr algn="ctr"/>
+            <a:endParaRPr lang="ko-KR" altLang="en-US"/>
+          </a:p>
+        </p:txBody>
+      </p:sp>
+      <p:sp>
+        <p:nvSpPr>
+          <p:cNvPr id="101" name="타원 100">
+            <a:extLst>
+              <a:ext uri="{FF2B5EF4-FFF2-40B4-BE49-F238E27FC236}">
+                <a16:creationId xmlns:a16="http://schemas.microsoft.com/office/drawing/2014/main" id="{73F894E6-31FC-448B-8F3E-5571D9C648AE}"/>
+              </a:ext>
+            </a:extLst>
+          </p:cNvPr>
+          <p:cNvSpPr/>
+          <p:nvPr/>
+        </p:nvSpPr>
+        <p:spPr>
+          <a:xfrm>
+            <a:off x="6560490" y="3986084"/>
+            <a:ext cx="230814" cy="230814"/>
+          </a:xfrm>
+          <a:prstGeom prst="ellipse">
+            <a:avLst/>
+          </a:prstGeom>
+          <a:solidFill>
+            <a:schemeClr val="bg1">
+              <a:lumMod val="85000"/>
+            </a:schemeClr>
+          </a:solidFill>
+          <a:ln>
+            <a:solidFill>
+              <a:schemeClr val="tx1"/>
+            </a:solidFill>
+          </a:ln>
+        </p:spPr>
+        <p:style>
+          <a:lnRef idx="2">
+            <a:schemeClr val="accent1">
+              <a:shade val="50000"/>
+            </a:schemeClr>
+          </a:lnRef>
+          <a:fillRef idx="1">
+            <a:schemeClr val="accent1"/>
+          </a:fillRef>
+          <a:effectRef idx="0">
+            <a:schemeClr val="accent1"/>
+          </a:effectRef>
+          <a:fontRef idx="minor">
+            <a:schemeClr val="lt1"/>
+          </a:fontRef>
+        </p:style>
+        <p:txBody>
+          <a:bodyPr rtlCol="0" anchor="ctr"/>
+          <a:lstStyle/>
+          <a:p>
+            <a:pPr algn="ctr"/>
+            <a:endParaRPr lang="ko-KR" altLang="en-US"/>
+          </a:p>
+        </p:txBody>
+      </p:sp>
+      <p:sp>
+        <p:nvSpPr>
+          <p:cNvPr id="102" name="타원 101">
+            <a:extLst>
+              <a:ext uri="{FF2B5EF4-FFF2-40B4-BE49-F238E27FC236}">
+                <a16:creationId xmlns:a16="http://schemas.microsoft.com/office/drawing/2014/main" id="{C62923A9-5104-46BC-9683-6E59379C67CB}"/>
+              </a:ext>
+            </a:extLst>
+          </p:cNvPr>
+          <p:cNvSpPr/>
+          <p:nvPr/>
+        </p:nvSpPr>
+        <p:spPr>
+          <a:xfrm>
+            <a:off x="6791305" y="3755269"/>
+            <a:ext cx="230814" cy="230814"/>
+          </a:xfrm>
+          <a:prstGeom prst="ellipse">
+            <a:avLst/>
+          </a:prstGeom>
+          <a:solidFill>
+            <a:schemeClr val="bg1">
+              <a:lumMod val="85000"/>
+            </a:schemeClr>
+          </a:solidFill>
+          <a:ln>
+            <a:solidFill>
+              <a:schemeClr val="tx1"/>
+            </a:solidFill>
+          </a:ln>
+        </p:spPr>
+        <p:style>
+          <a:lnRef idx="2">
+            <a:schemeClr val="accent1">
+              <a:shade val="50000"/>
+            </a:schemeClr>
+          </a:lnRef>
+          <a:fillRef idx="1">
+            <a:schemeClr val="accent1"/>
+          </a:fillRef>
+          <a:effectRef idx="0">
+            <a:schemeClr val="accent1"/>
+          </a:effectRef>
+          <a:fontRef idx="minor">
+            <a:schemeClr val="lt1"/>
+          </a:fontRef>
+        </p:style>
+        <p:txBody>
+          <a:bodyPr rtlCol="0" anchor="ctr"/>
+          <a:lstStyle/>
+          <a:p>
+            <a:pPr algn="ctr"/>
+            <a:endParaRPr lang="ko-KR" altLang="en-US"/>
+          </a:p>
+        </p:txBody>
+      </p:sp>
+      <p:sp>
+        <p:nvSpPr>
+          <p:cNvPr id="103" name="타원 102">
+            <a:extLst>
+              <a:ext uri="{FF2B5EF4-FFF2-40B4-BE49-F238E27FC236}">
+                <a16:creationId xmlns:a16="http://schemas.microsoft.com/office/drawing/2014/main" id="{126852F7-DD84-43C9-ABE3-B1532A66ABD2}"/>
+              </a:ext>
+            </a:extLst>
+          </p:cNvPr>
+          <p:cNvSpPr/>
+          <p:nvPr/>
+        </p:nvSpPr>
+        <p:spPr>
+          <a:xfrm>
+            <a:off x="7022119" y="3524454"/>
+            <a:ext cx="230814" cy="230814"/>
+          </a:xfrm>
+          <a:prstGeom prst="ellipse">
+            <a:avLst/>
+          </a:prstGeom>
+          <a:solidFill>
+            <a:schemeClr val="bg1">
+              <a:lumMod val="85000"/>
+            </a:schemeClr>
+          </a:solidFill>
+          <a:ln>
+            <a:solidFill>
+              <a:schemeClr val="tx1"/>
+            </a:solidFill>
+          </a:ln>
+        </p:spPr>
+        <p:style>
+          <a:lnRef idx="2">
+            <a:schemeClr val="accent1">
+              <a:shade val="50000"/>
+            </a:schemeClr>
+          </a:lnRef>
+          <a:fillRef idx="1">
+            <a:schemeClr val="accent1"/>
+          </a:fillRef>
+          <a:effectRef idx="0">
+            <a:schemeClr val="accent1"/>
+          </a:effectRef>
+          <a:fontRef idx="minor">
+            <a:schemeClr val="lt1"/>
+          </a:fontRef>
+        </p:style>
+        <p:txBody>
+          <a:bodyPr rtlCol="0" anchor="ctr"/>
+          <a:lstStyle/>
+          <a:p>
+            <a:pPr algn="ctr"/>
+            <a:endParaRPr lang="ko-KR" altLang="en-US"/>
+          </a:p>
+        </p:txBody>
+      </p:sp>
+      <p:sp>
+        <p:nvSpPr>
+          <p:cNvPr id="104" name="타원 103">
+            <a:extLst>
+              <a:ext uri="{FF2B5EF4-FFF2-40B4-BE49-F238E27FC236}">
+                <a16:creationId xmlns:a16="http://schemas.microsoft.com/office/drawing/2014/main" id="{4866E975-439B-4B5D-85B6-D59A653A97DA}"/>
+              </a:ext>
+            </a:extLst>
+          </p:cNvPr>
+          <p:cNvSpPr/>
+          <p:nvPr/>
+        </p:nvSpPr>
+        <p:spPr>
+          <a:xfrm>
+            <a:off x="7252933" y="3293273"/>
+            <a:ext cx="230814" cy="230814"/>
+          </a:xfrm>
+          <a:prstGeom prst="ellipse">
+            <a:avLst/>
+          </a:prstGeom>
+          <a:solidFill>
+            <a:schemeClr val="bg1">
+              <a:lumMod val="85000"/>
+            </a:schemeClr>
+          </a:solidFill>
+          <a:ln>
+            <a:solidFill>
+              <a:schemeClr val="tx1"/>
+            </a:solidFill>
+          </a:ln>
+        </p:spPr>
+        <p:style>
+          <a:lnRef idx="2">
+            <a:schemeClr val="accent1">
+              <a:shade val="50000"/>
+            </a:schemeClr>
+          </a:lnRef>
+          <a:fillRef idx="1">
+            <a:schemeClr val="accent1"/>
+          </a:fillRef>
+          <a:effectRef idx="0">
+            <a:schemeClr val="accent1"/>
+          </a:effectRef>
+          <a:fontRef idx="minor">
+            <a:schemeClr val="lt1"/>
+          </a:fontRef>
+        </p:style>
+        <p:txBody>
+          <a:bodyPr rtlCol="0" anchor="ctr"/>
+          <a:lstStyle/>
+          <a:p>
+            <a:pPr algn="ctr"/>
+            <a:endParaRPr lang="ko-KR" altLang="en-US"/>
+          </a:p>
+        </p:txBody>
+      </p:sp>
+      <p:sp>
+        <p:nvSpPr>
+          <p:cNvPr id="105" name="타원 104">
+            <a:extLst>
+              <a:ext uri="{FF2B5EF4-FFF2-40B4-BE49-F238E27FC236}">
+                <a16:creationId xmlns:a16="http://schemas.microsoft.com/office/drawing/2014/main" id="{4E295531-518A-4FAD-9A2A-70DF139381E9}"/>
+              </a:ext>
+            </a:extLst>
+          </p:cNvPr>
+          <p:cNvSpPr/>
+          <p:nvPr/>
+        </p:nvSpPr>
+        <p:spPr>
+          <a:xfrm>
+            <a:off x="7486813" y="3058943"/>
+            <a:ext cx="230814" cy="230814"/>
+          </a:xfrm>
+          <a:prstGeom prst="ellipse">
+            <a:avLst/>
+          </a:prstGeom>
+          <a:solidFill>
+            <a:schemeClr val="bg1">
+              <a:lumMod val="85000"/>
+            </a:schemeClr>
+          </a:solidFill>
+          <a:ln>
+            <a:solidFill>
+              <a:schemeClr val="tx1"/>
+            </a:solidFill>
+          </a:ln>
+        </p:spPr>
+        <p:style>
+          <a:lnRef idx="2">
+            <a:schemeClr val="accent1">
+              <a:shade val="50000"/>
+            </a:schemeClr>
+          </a:lnRef>
+          <a:fillRef idx="1">
+            <a:schemeClr val="accent1"/>
+          </a:fillRef>
+          <a:effectRef idx="0">
+            <a:schemeClr val="accent1"/>
+          </a:effectRef>
+          <a:fontRef idx="minor">
+            <a:schemeClr val="lt1"/>
+          </a:fontRef>
+        </p:style>
+        <p:txBody>
+          <a:bodyPr rtlCol="0" anchor="ctr"/>
+          <a:lstStyle/>
+          <a:p>
+            <a:pPr algn="ctr"/>
+            <a:endParaRPr lang="ko-KR" altLang="en-US"/>
+          </a:p>
+        </p:txBody>
+      </p:sp>
+      <p:sp>
+        <p:nvSpPr>
+          <p:cNvPr id="106" name="TextBox 105">
+            <a:extLst>
+              <a:ext uri="{FF2B5EF4-FFF2-40B4-BE49-F238E27FC236}">
+                <a16:creationId xmlns:a16="http://schemas.microsoft.com/office/drawing/2014/main" id="{8CA70753-70B1-4E95-A445-907E5CB6B09C}"/>
+              </a:ext>
+            </a:extLst>
+          </p:cNvPr>
+          <p:cNvSpPr txBox="1"/>
+          <p:nvPr/>
+        </p:nvSpPr>
+        <p:spPr>
+          <a:xfrm>
+            <a:off x="2881855" y="1637028"/>
+            <a:ext cx="1149674" cy="584775"/>
+          </a:xfrm>
+          <a:prstGeom prst="rect">
+            <a:avLst/>
+          </a:prstGeom>
+          <a:noFill/>
+        </p:spPr>
+        <p:txBody>
+          <a:bodyPr wrap="none" rtlCol="0">
+            <a:spAutoFit/>
+          </a:bodyPr>
+          <a:lstStyle/>
+          <a:p>
+            <a:pPr algn="ctr"/>
+            <a:r>
+              <a:rPr lang="ko-KR" altLang="en-US" sz="3200" dirty="0">
+                <a:latin typeface="스웨거 TTF" panose="020B0600000101010101" pitchFamily="50" charset="-127"/>
+                <a:ea typeface="스웨거 TTF" panose="020B0600000101010101" pitchFamily="50" charset="-127"/>
+              </a:rPr>
+              <a:t>모집단 </a:t>
+            </a:r>
+            <a:r>
+              <a:rPr lang="en-US" altLang="ko-KR" sz="3200" dirty="0">
+                <a:latin typeface="스웨거 TTF" panose="020B0600000101010101" pitchFamily="50" charset="-127"/>
+                <a:ea typeface="스웨거 TTF" panose="020B0600000101010101" pitchFamily="50" charset="-127"/>
+              </a:rPr>
+              <a:t>1</a:t>
+            </a:r>
+            <a:endParaRPr lang="ko-KR" altLang="en-US" sz="3200" dirty="0">
+              <a:latin typeface="스웨거 TTF" panose="020B0600000101010101" pitchFamily="50" charset="-127"/>
+              <a:ea typeface="스웨거 TTF" panose="020B0600000101010101" pitchFamily="50" charset="-127"/>
+            </a:endParaRPr>
+          </a:p>
+        </p:txBody>
+      </p:sp>
+      <p:sp>
+        <p:nvSpPr>
+          <p:cNvPr id="107" name="TextBox 106">
+            <a:extLst>
+              <a:ext uri="{FF2B5EF4-FFF2-40B4-BE49-F238E27FC236}">
+                <a16:creationId xmlns:a16="http://schemas.microsoft.com/office/drawing/2014/main" id="{421CF0AB-0C69-4615-81DB-5D6B46AF98C7}"/>
+              </a:ext>
+            </a:extLst>
+          </p:cNvPr>
+          <p:cNvSpPr txBox="1"/>
+          <p:nvPr/>
+        </p:nvSpPr>
+        <p:spPr>
+          <a:xfrm>
+            <a:off x="7027014" y="1637028"/>
+            <a:ext cx="1149674" cy="584775"/>
+          </a:xfrm>
+          <a:prstGeom prst="rect">
+            <a:avLst/>
+          </a:prstGeom>
+          <a:noFill/>
+        </p:spPr>
+        <p:txBody>
+          <a:bodyPr wrap="none" rtlCol="0">
+            <a:spAutoFit/>
+          </a:bodyPr>
+          <a:lstStyle/>
+          <a:p>
+            <a:pPr algn="ctr"/>
+            <a:r>
+              <a:rPr lang="ko-KR" altLang="en-US" sz="3200" dirty="0">
+                <a:latin typeface="스웨거 TTF" panose="020B0600000101010101" pitchFamily="50" charset="-127"/>
+                <a:ea typeface="스웨거 TTF" panose="020B0600000101010101" pitchFamily="50" charset="-127"/>
+              </a:rPr>
+              <a:t>모집단 </a:t>
+            </a:r>
+            <a:r>
+              <a:rPr lang="en-US" altLang="ko-KR" sz="3200" dirty="0">
+                <a:latin typeface="스웨거 TTF" panose="020B0600000101010101" pitchFamily="50" charset="-127"/>
+                <a:ea typeface="스웨거 TTF" panose="020B0600000101010101" pitchFamily="50" charset="-127"/>
+              </a:rPr>
+              <a:t>2</a:t>
+            </a:r>
+            <a:endParaRPr lang="ko-KR" altLang="en-US" sz="3200" dirty="0">
+              <a:latin typeface="스웨거 TTF" panose="020B0600000101010101" pitchFamily="50" charset="-127"/>
+              <a:ea typeface="스웨거 TTF" panose="020B0600000101010101" pitchFamily="50" charset="-127"/>
+            </a:endParaRPr>
+          </a:p>
+        </p:txBody>
+      </p:sp>
+      <p:sp>
+        <p:nvSpPr>
+          <p:cNvPr id="108" name="TextBox 107">
+            <a:extLst>
+              <a:ext uri="{FF2B5EF4-FFF2-40B4-BE49-F238E27FC236}">
+                <a16:creationId xmlns:a16="http://schemas.microsoft.com/office/drawing/2014/main" id="{30651F69-04E4-49E9-ADEB-8C5E65827CCF}"/>
+              </a:ext>
+            </a:extLst>
+          </p:cNvPr>
+          <p:cNvSpPr txBox="1"/>
+          <p:nvPr/>
+        </p:nvSpPr>
+        <p:spPr>
+          <a:xfrm>
+            <a:off x="1277513" y="3480058"/>
+            <a:ext cx="1396537" cy="584775"/>
+          </a:xfrm>
+          <a:prstGeom prst="rect">
+            <a:avLst/>
+          </a:prstGeom>
+          <a:noFill/>
+        </p:spPr>
+        <p:txBody>
+          <a:bodyPr wrap="none" rtlCol="0">
+            <a:spAutoFit/>
+          </a:bodyPr>
+          <a:lstStyle/>
+          <a:p>
+            <a:pPr algn="ctr"/>
+            <a:r>
+              <a:rPr lang="ko-KR" altLang="en-US" sz="3200" dirty="0">
+                <a:solidFill>
+                  <a:schemeClr val="accent1"/>
+                </a:solidFill>
+                <a:latin typeface="스웨거 TTF" panose="020B0600000101010101" pitchFamily="50" charset="-127"/>
+                <a:ea typeface="스웨거 TTF" panose="020B0600000101010101" pitchFamily="50" charset="-127"/>
+              </a:rPr>
+              <a:t>표본집단 </a:t>
+            </a:r>
+            <a:r>
+              <a:rPr lang="en-US" altLang="ko-KR" sz="3200" dirty="0">
+                <a:solidFill>
+                  <a:schemeClr val="accent1"/>
+                </a:solidFill>
+                <a:latin typeface="스웨거 TTF" panose="020B0600000101010101" pitchFamily="50" charset="-127"/>
+                <a:ea typeface="스웨거 TTF" panose="020B0600000101010101" pitchFamily="50" charset="-127"/>
+              </a:rPr>
+              <a:t>1</a:t>
+            </a:r>
+            <a:endParaRPr lang="ko-KR" altLang="en-US" sz="3200" dirty="0">
+              <a:solidFill>
+                <a:schemeClr val="accent1"/>
+              </a:solidFill>
+              <a:latin typeface="스웨거 TTF" panose="020B0600000101010101" pitchFamily="50" charset="-127"/>
+              <a:ea typeface="스웨거 TTF" panose="020B0600000101010101" pitchFamily="50" charset="-127"/>
+            </a:endParaRPr>
+          </a:p>
+        </p:txBody>
+      </p:sp>
+      <p:sp>
+        <p:nvSpPr>
+          <p:cNvPr id="109" name="TextBox 108">
+            <a:extLst>
+              <a:ext uri="{FF2B5EF4-FFF2-40B4-BE49-F238E27FC236}">
+                <a16:creationId xmlns:a16="http://schemas.microsoft.com/office/drawing/2014/main" id="{940FCC5F-61BD-419D-991D-CA295C955CF7}"/>
+              </a:ext>
+            </a:extLst>
+          </p:cNvPr>
+          <p:cNvSpPr txBox="1"/>
+          <p:nvPr/>
+        </p:nvSpPr>
+        <p:spPr>
+          <a:xfrm>
+            <a:off x="8502666" y="3480058"/>
+            <a:ext cx="1396537" cy="584775"/>
+          </a:xfrm>
+          <a:prstGeom prst="rect">
+            <a:avLst/>
+          </a:prstGeom>
+          <a:noFill/>
+        </p:spPr>
+        <p:txBody>
+          <a:bodyPr wrap="none" rtlCol="0">
+            <a:spAutoFit/>
+          </a:bodyPr>
+          <a:lstStyle/>
+          <a:p>
+            <a:pPr algn="ctr"/>
+            <a:r>
+              <a:rPr lang="ko-KR" altLang="en-US" sz="3200" dirty="0">
+                <a:solidFill>
+                  <a:srgbClr val="FF5050"/>
+                </a:solidFill>
+                <a:latin typeface="스웨거 TTF" panose="020B0600000101010101" pitchFamily="50" charset="-127"/>
+                <a:ea typeface="스웨거 TTF" panose="020B0600000101010101" pitchFamily="50" charset="-127"/>
+              </a:rPr>
+              <a:t>표본집단 </a:t>
+            </a:r>
+            <a:r>
+              <a:rPr lang="en-US" altLang="ko-KR" sz="3200" dirty="0">
+                <a:solidFill>
+                  <a:srgbClr val="FF5050"/>
+                </a:solidFill>
+                <a:latin typeface="스웨거 TTF" panose="020B0600000101010101" pitchFamily="50" charset="-127"/>
+                <a:ea typeface="스웨거 TTF" panose="020B0600000101010101" pitchFamily="50" charset="-127"/>
+              </a:rPr>
+              <a:t>2</a:t>
+            </a:r>
+            <a:endParaRPr lang="ko-KR" altLang="en-US" sz="3200" dirty="0">
+              <a:solidFill>
+                <a:srgbClr val="FF5050"/>
+              </a:solidFill>
+              <a:latin typeface="스웨거 TTF" panose="020B0600000101010101" pitchFamily="50" charset="-127"/>
+              <a:ea typeface="스웨거 TTF" panose="020B0600000101010101" pitchFamily="50" charset="-127"/>
+            </a:endParaRPr>
+          </a:p>
+        </p:txBody>
+      </p:sp>
+      <mc:AlternateContent xmlns:mc="http://schemas.openxmlformats.org/markup-compatibility/2006">
+        <mc:Choice xmlns:a14="http://schemas.microsoft.com/office/drawing/2010/main" Requires="a14">
+          <p:sp>
+            <p:nvSpPr>
+              <p:cNvPr id="111" name="TextBox 110">
+                <a:extLst>
+                  <a:ext uri="{FF2B5EF4-FFF2-40B4-BE49-F238E27FC236}">
+                    <a16:creationId xmlns:a16="http://schemas.microsoft.com/office/drawing/2014/main" id="{256AAE4E-A635-4C43-A47F-7F5F237512FD}"/>
+                  </a:ext>
+                </a:extLst>
+              </p:cNvPr>
+              <p:cNvSpPr txBox="1"/>
+              <p:nvPr/>
+            </p:nvSpPr>
+            <p:spPr>
+              <a:xfrm>
+                <a:off x="3198827" y="4587198"/>
+                <a:ext cx="734047" cy="584775"/>
+              </a:xfrm>
+              <a:prstGeom prst="rect">
+                <a:avLst/>
+              </a:prstGeom>
+              <a:noFill/>
+            </p:spPr>
+            <p:txBody>
+              <a:bodyPr wrap="none" rtlCol="0">
+                <a:spAutoFit/>
+              </a:bodyPr>
+              <a:lstStyle/>
+              <a:p>
+                <a:pPr algn="ctr"/>
+                <a14:m>
+                  <m:oMathPara xmlns:m="http://schemas.openxmlformats.org/officeDocument/2006/math">
+                    <m:oMathParaPr>
+                      <m:jc m:val="centerGroup"/>
+                    </m:oMathParaPr>
+                    <m:oMath xmlns:m="http://schemas.openxmlformats.org/officeDocument/2006/math">
+                      <m:sSub>
+                        <m:sSubPr>
+                          <m:ctrlPr>
+                            <a:rPr lang="en-US" altLang="ko-KR" sz="3200" b="0" i="1" smtClean="0">
+                              <a:solidFill>
+                                <a:schemeClr val="accent1"/>
+                              </a:solidFill>
+                              <a:latin typeface="Cambria Math" panose="02040503050406030204" pitchFamily="18" charset="0"/>
+                            </a:rPr>
+                          </m:ctrlPr>
+                        </m:sSubPr>
+                        <m:e>
+                          <m:r>
+                            <a:rPr lang="en-US" altLang="ko-KR" sz="3200" b="0" i="1" smtClean="0">
+                              <a:solidFill>
+                                <a:schemeClr val="accent1"/>
+                              </a:solidFill>
+                              <a:latin typeface="Cambria Math" panose="02040503050406030204" pitchFamily="18" charset="0"/>
+                            </a:rPr>
+                            <m:t>𝜇</m:t>
+                          </m:r>
+                        </m:e>
+                        <m:sub>
+                          <m:r>
+                            <a:rPr lang="en-US" altLang="ko-KR" sz="3200" b="0" i="1" smtClean="0">
+                              <a:solidFill>
+                                <a:schemeClr val="accent1"/>
+                              </a:solidFill>
+                              <a:latin typeface="Cambria Math" panose="02040503050406030204" pitchFamily="18" charset="0"/>
+                            </a:rPr>
+                            <m:t>1</m:t>
+                          </m:r>
+                        </m:sub>
+                      </m:sSub>
+                    </m:oMath>
+                  </m:oMathPara>
+                </a14:m>
+                <a:endParaRPr lang="ko-KR" altLang="en-US" sz="3200" dirty="0">
+                  <a:solidFill>
+                    <a:schemeClr val="accent1"/>
+                  </a:solidFill>
+                </a:endParaRPr>
+              </a:p>
+            </p:txBody>
+          </p:sp>
+        </mc:Choice>
+        <mc:Fallback>
+          <p:sp>
+            <p:nvSpPr>
+              <p:cNvPr id="111" name="TextBox 110">
+                <a:extLst>
+                  <a:ext uri="{FF2B5EF4-FFF2-40B4-BE49-F238E27FC236}">
+                    <a16:creationId xmlns:a16="http://schemas.microsoft.com/office/drawing/2014/main" id="{256AAE4E-A635-4C43-A47F-7F5F237512FD}"/>
+                  </a:ext>
+                </a:extLst>
+              </p:cNvPr>
+              <p:cNvSpPr txBox="1">
+                <a:spLocks noRot="1" noChangeAspect="1" noMove="1" noResize="1" noEditPoints="1" noAdjustHandles="1" noChangeArrowheads="1" noChangeShapeType="1" noTextEdit="1"/>
+              </p:cNvSpPr>
+              <p:nvPr/>
+            </p:nvSpPr>
+            <p:spPr>
+              <a:xfrm>
+                <a:off x="3198827" y="4587198"/>
+                <a:ext cx="734047" cy="584775"/>
+              </a:xfrm>
+              <a:prstGeom prst="rect">
+                <a:avLst/>
+              </a:prstGeom>
+              <a:blipFill>
+                <a:blip r:embed="rId2"/>
+                <a:stretch>
+                  <a:fillRect/>
+                </a:stretch>
+              </a:blipFill>
+            </p:spPr>
+            <p:txBody>
+              <a:bodyPr/>
+              <a:lstStyle/>
+              <a:p>
+                <a:r>
+                  <a:rPr lang="ko-KR" altLang="en-US">
+                    <a:noFill/>
+                  </a:rPr>
+                  <a:t> </a:t>
+                </a:r>
+              </a:p>
+            </p:txBody>
+          </p:sp>
+        </mc:Fallback>
+      </mc:AlternateContent>
+      <mc:AlternateContent xmlns:mc="http://schemas.openxmlformats.org/markup-compatibility/2006">
+        <mc:Choice xmlns:a14="http://schemas.microsoft.com/office/drawing/2010/main" Requires="a14">
+          <p:sp>
+            <p:nvSpPr>
+              <p:cNvPr id="112" name="TextBox 111">
+                <a:extLst>
+                  <a:ext uri="{FF2B5EF4-FFF2-40B4-BE49-F238E27FC236}">
+                    <a16:creationId xmlns:a16="http://schemas.microsoft.com/office/drawing/2014/main" id="{94F1D37E-B99B-457C-89E4-AEA71D4A8D85}"/>
+                  </a:ext>
+                </a:extLst>
+              </p:cNvPr>
+              <p:cNvSpPr txBox="1"/>
+              <p:nvPr/>
+            </p:nvSpPr>
+            <p:spPr>
+              <a:xfrm>
+                <a:off x="7304566" y="4587198"/>
+                <a:ext cx="743537" cy="584775"/>
+              </a:xfrm>
+              <a:prstGeom prst="rect">
+                <a:avLst/>
+              </a:prstGeom>
+              <a:noFill/>
+            </p:spPr>
+            <p:txBody>
+              <a:bodyPr wrap="none" rtlCol="0">
+                <a:spAutoFit/>
+              </a:bodyPr>
+              <a:lstStyle/>
+              <a:p>
+                <a:pPr algn="ctr"/>
+                <a14:m>
+                  <m:oMathPara xmlns:m="http://schemas.openxmlformats.org/officeDocument/2006/math">
+                    <m:oMathParaPr>
+                      <m:jc m:val="centerGroup"/>
+                    </m:oMathParaPr>
+                    <m:oMath xmlns:m="http://schemas.openxmlformats.org/officeDocument/2006/math">
+                      <m:sSub>
+                        <m:sSubPr>
+                          <m:ctrlPr>
+                            <a:rPr lang="en-US" altLang="ko-KR" sz="3200" b="0" i="1" smtClean="0">
+                              <a:solidFill>
+                                <a:srgbClr val="FF5050"/>
+                              </a:solidFill>
+                              <a:latin typeface="Cambria Math" panose="02040503050406030204" pitchFamily="18" charset="0"/>
+                            </a:rPr>
+                          </m:ctrlPr>
+                        </m:sSubPr>
+                        <m:e>
+                          <m:r>
+                            <a:rPr lang="en-US" altLang="ko-KR" sz="3200" b="0" i="1" smtClean="0">
+                              <a:solidFill>
+                                <a:srgbClr val="FF5050"/>
+                              </a:solidFill>
+                              <a:latin typeface="Cambria Math" panose="02040503050406030204" pitchFamily="18" charset="0"/>
+                            </a:rPr>
+                            <m:t>𝜇</m:t>
+                          </m:r>
+                        </m:e>
+                        <m:sub>
+                          <m:r>
+                            <a:rPr lang="en-US" altLang="ko-KR" sz="3200" b="0" i="1" smtClean="0">
+                              <a:solidFill>
+                                <a:srgbClr val="FF5050"/>
+                              </a:solidFill>
+                              <a:latin typeface="Cambria Math" panose="02040503050406030204" pitchFamily="18" charset="0"/>
+                            </a:rPr>
+                            <m:t>2</m:t>
+                          </m:r>
+                        </m:sub>
+                      </m:sSub>
+                    </m:oMath>
+                  </m:oMathPara>
+                </a14:m>
+                <a:endParaRPr lang="ko-KR" altLang="en-US" sz="3200" dirty="0">
+                  <a:solidFill>
+                    <a:srgbClr val="FF5050"/>
+                  </a:solidFill>
+                </a:endParaRPr>
+              </a:p>
+            </p:txBody>
+          </p:sp>
+        </mc:Choice>
+        <mc:Fallback>
+          <p:sp>
+            <p:nvSpPr>
+              <p:cNvPr id="112" name="TextBox 111">
+                <a:extLst>
+                  <a:ext uri="{FF2B5EF4-FFF2-40B4-BE49-F238E27FC236}">
+                    <a16:creationId xmlns:a16="http://schemas.microsoft.com/office/drawing/2014/main" id="{94F1D37E-B99B-457C-89E4-AEA71D4A8D85}"/>
+                  </a:ext>
+                </a:extLst>
+              </p:cNvPr>
+              <p:cNvSpPr txBox="1">
+                <a:spLocks noRot="1" noChangeAspect="1" noMove="1" noResize="1" noEditPoints="1" noAdjustHandles="1" noChangeArrowheads="1" noChangeShapeType="1" noTextEdit="1"/>
+              </p:cNvSpPr>
+              <p:nvPr/>
+            </p:nvSpPr>
+            <p:spPr>
+              <a:xfrm>
+                <a:off x="7304566" y="4587198"/>
+                <a:ext cx="743537" cy="584775"/>
+              </a:xfrm>
+              <a:prstGeom prst="rect">
+                <a:avLst/>
+              </a:prstGeom>
+              <a:blipFill>
+                <a:blip r:embed="rId3"/>
+                <a:stretch>
+                  <a:fillRect/>
+                </a:stretch>
+              </a:blipFill>
+            </p:spPr>
+            <p:txBody>
+              <a:bodyPr/>
+              <a:lstStyle/>
+              <a:p>
+                <a:r>
+                  <a:rPr lang="ko-KR" altLang="en-US">
+                    <a:noFill/>
+                  </a:rPr>
+                  <a:t> </a:t>
+                </a:r>
+              </a:p>
+            </p:txBody>
+          </p:sp>
+        </mc:Fallback>
+      </mc:AlternateContent>
+      <p:cxnSp>
+        <p:nvCxnSpPr>
+          <p:cNvPr id="114" name="직선 화살표 연결선 113">
+            <a:extLst>
+              <a:ext uri="{FF2B5EF4-FFF2-40B4-BE49-F238E27FC236}">
+                <a16:creationId xmlns:a16="http://schemas.microsoft.com/office/drawing/2014/main" id="{38EF5D9F-4529-44C3-BAE4-270A80AE00E4}"/>
+              </a:ext>
+            </a:extLst>
+          </p:cNvPr>
+          <p:cNvCxnSpPr>
+            <a:cxnSpLocks/>
+          </p:cNvCxnSpPr>
+          <p:nvPr/>
+        </p:nvCxnSpPr>
+        <p:spPr>
+          <a:xfrm flipV="1">
+            <a:off x="2754936" y="4587198"/>
+            <a:ext cx="0" cy="584775"/>
+          </a:xfrm>
+          <a:prstGeom prst="straightConnector1">
+            <a:avLst/>
+          </a:prstGeom>
+          <a:ln>
+            <a:tailEnd type="triangle"/>
+          </a:ln>
+        </p:spPr>
+        <p:style>
+          <a:lnRef idx="1">
+            <a:schemeClr val="accent1"/>
+          </a:lnRef>
+          <a:fillRef idx="0">
+            <a:schemeClr val="accent1"/>
+          </a:fillRef>
+          <a:effectRef idx="0">
+            <a:schemeClr val="accent1"/>
+          </a:effectRef>
+          <a:fontRef idx="minor">
+            <a:schemeClr val="tx1"/>
+          </a:fontRef>
+        </p:style>
+      </p:cxnSp>
+    </p:spTree>
+    <p:extLst>
+      <p:ext uri="{BB962C8B-B14F-4D97-AF65-F5344CB8AC3E}">
+        <p14:creationId xmlns:p14="http://schemas.microsoft.com/office/powerpoint/2010/main" val="4019569907"/>
       </p:ext>
     </p:extLst>
   </p:cSld>

--- a/pics/2020-03-25-hypothesis/pics.pptx
+++ b/pics/2020-03-25-hypothesis/pics.pptx
@@ -6,7 +6,8 @@
   </p:sldMasterIdLst>
   <p:sldIdLst>
     <p:sldId id="256" r:id="rId2"/>
-    <p:sldId id="257" r:id="rId3"/>
+    <p:sldId id="258" r:id="rId3"/>
+    <p:sldId id="257" r:id="rId4"/>
   </p:sldIdLst>
   <p:sldSz cx="12192000" cy="6858000"/>
   <p:notesSz cx="6858000" cy="9144000"/>
@@ -105,6 +106,11 @@
       </a:defRPr>
     </a:lvl9pPr>
   </p:defaultTextStyle>
+  <p:extLst>
+    <p:ext uri="{EFAFB233-063F-42B5-8137-9DF3F51BA10A}">
+      <p15:sldGuideLst xmlns:p15="http://schemas.microsoft.com/office/powerpoint/2012/main"/>
+    </p:ext>
+  </p:extLst>
 </p:presentation>
 </file>
 
@@ -255,7 +261,7 @@
           <a:p>
             <a:fld id="{AEE8E012-ECBE-4688-84CB-6FD3A69B76BD}" type="datetimeFigureOut">
               <a:rPr lang="ko-KR" altLang="en-US" smtClean="0"/>
-              <a:t>2020-03-27</a:t>
+              <a:t>2023-04-24</a:t>
             </a:fld>
             <a:endParaRPr lang="ko-KR" altLang="en-US"/>
           </a:p>
@@ -453,7 +459,7 @@
           <a:p>
             <a:fld id="{AEE8E012-ECBE-4688-84CB-6FD3A69B76BD}" type="datetimeFigureOut">
               <a:rPr lang="ko-KR" altLang="en-US" smtClean="0"/>
-              <a:t>2020-03-27</a:t>
+              <a:t>2023-04-24</a:t>
             </a:fld>
             <a:endParaRPr lang="ko-KR" altLang="en-US"/>
           </a:p>
@@ -661,7 +667,7 @@
           <a:p>
             <a:fld id="{AEE8E012-ECBE-4688-84CB-6FD3A69B76BD}" type="datetimeFigureOut">
               <a:rPr lang="ko-KR" altLang="en-US" smtClean="0"/>
-              <a:t>2020-03-27</a:t>
+              <a:t>2023-04-24</a:t>
             </a:fld>
             <a:endParaRPr lang="ko-KR" altLang="en-US"/>
           </a:p>
@@ -859,7 +865,7 @@
           <a:p>
             <a:fld id="{AEE8E012-ECBE-4688-84CB-6FD3A69B76BD}" type="datetimeFigureOut">
               <a:rPr lang="ko-KR" altLang="en-US" smtClean="0"/>
-              <a:t>2020-03-27</a:t>
+              <a:t>2023-04-24</a:t>
             </a:fld>
             <a:endParaRPr lang="ko-KR" altLang="en-US"/>
           </a:p>
@@ -1134,7 +1140,7 @@
           <a:p>
             <a:fld id="{AEE8E012-ECBE-4688-84CB-6FD3A69B76BD}" type="datetimeFigureOut">
               <a:rPr lang="ko-KR" altLang="en-US" smtClean="0"/>
-              <a:t>2020-03-27</a:t>
+              <a:t>2023-04-24</a:t>
             </a:fld>
             <a:endParaRPr lang="ko-KR" altLang="en-US"/>
           </a:p>
@@ -1399,7 +1405,7 @@
           <a:p>
             <a:fld id="{AEE8E012-ECBE-4688-84CB-6FD3A69B76BD}" type="datetimeFigureOut">
               <a:rPr lang="ko-KR" altLang="en-US" smtClean="0"/>
-              <a:t>2020-03-27</a:t>
+              <a:t>2023-04-24</a:t>
             </a:fld>
             <a:endParaRPr lang="ko-KR" altLang="en-US"/>
           </a:p>
@@ -1811,7 +1817,7 @@
           <a:p>
             <a:fld id="{AEE8E012-ECBE-4688-84CB-6FD3A69B76BD}" type="datetimeFigureOut">
               <a:rPr lang="ko-KR" altLang="en-US" smtClean="0"/>
-              <a:t>2020-03-27</a:t>
+              <a:t>2023-04-24</a:t>
             </a:fld>
             <a:endParaRPr lang="ko-KR" altLang="en-US"/>
           </a:p>
@@ -1952,7 +1958,7 @@
           <a:p>
             <a:fld id="{AEE8E012-ECBE-4688-84CB-6FD3A69B76BD}" type="datetimeFigureOut">
               <a:rPr lang="ko-KR" altLang="en-US" smtClean="0"/>
-              <a:t>2020-03-27</a:t>
+              <a:t>2023-04-24</a:t>
             </a:fld>
             <a:endParaRPr lang="ko-KR" altLang="en-US"/>
           </a:p>
@@ -2065,7 +2071,7 @@
           <a:p>
             <a:fld id="{AEE8E012-ECBE-4688-84CB-6FD3A69B76BD}" type="datetimeFigureOut">
               <a:rPr lang="ko-KR" altLang="en-US" smtClean="0"/>
-              <a:t>2020-03-27</a:t>
+              <a:t>2023-04-24</a:t>
             </a:fld>
             <a:endParaRPr lang="ko-KR" altLang="en-US"/>
           </a:p>
@@ -2376,7 +2382,7 @@
           <a:p>
             <a:fld id="{AEE8E012-ECBE-4688-84CB-6FD3A69B76BD}" type="datetimeFigureOut">
               <a:rPr lang="ko-KR" altLang="en-US" smtClean="0"/>
-              <a:t>2020-03-27</a:t>
+              <a:t>2023-04-24</a:t>
             </a:fld>
             <a:endParaRPr lang="ko-KR" altLang="en-US"/>
           </a:p>
@@ -2664,7 +2670,7 @@
           <a:p>
             <a:fld id="{AEE8E012-ECBE-4688-84CB-6FD3A69B76BD}" type="datetimeFigureOut">
               <a:rPr lang="ko-KR" altLang="en-US" smtClean="0"/>
-              <a:t>2020-03-27</a:t>
+              <a:t>2023-04-24</a:t>
             </a:fld>
             <a:endParaRPr lang="ko-KR" altLang="en-US"/>
           </a:p>
@@ -2905,7 +2911,7 @@
           <a:p>
             <a:fld id="{AEE8E012-ECBE-4688-84CB-6FD3A69B76BD}" type="datetimeFigureOut">
               <a:rPr lang="ko-KR" altLang="en-US" smtClean="0"/>
-              <a:t>2020-03-27</a:t>
+              <a:t>2023-04-24</a:t>
             </a:fld>
             <a:endParaRPr lang="ko-KR" altLang="en-US"/>
           </a:p>
@@ -3872,6 +3878,624 @@
           <a:chExt cx="0" cy="0"/>
         </a:xfrm>
       </p:grpSpPr>
+      <p:sp>
+        <p:nvSpPr>
+          <p:cNvPr id="4" name="직사각형 3">
+            <a:extLst>
+              <a:ext uri="{FF2B5EF4-FFF2-40B4-BE49-F238E27FC236}">
+                <a16:creationId xmlns:a16="http://schemas.microsoft.com/office/drawing/2014/main" id="{1F07A508-AB29-402C-9384-172F067A10B0}"/>
+              </a:ext>
+            </a:extLst>
+          </p:cNvPr>
+          <p:cNvSpPr/>
+          <p:nvPr/>
+        </p:nvSpPr>
+        <p:spPr>
+          <a:xfrm>
+            <a:off x="280198" y="2698188"/>
+            <a:ext cx="1838589" cy="1461625"/>
+          </a:xfrm>
+          <a:prstGeom prst="rect">
+            <a:avLst/>
+          </a:prstGeom>
+          <a:solidFill>
+            <a:schemeClr val="bg1"/>
+          </a:solidFill>
+          <a:ln>
+            <a:solidFill>
+              <a:schemeClr val="tx1"/>
+            </a:solidFill>
+          </a:ln>
+        </p:spPr>
+        <p:style>
+          <a:lnRef idx="2">
+            <a:schemeClr val="accent1">
+              <a:shade val="50000"/>
+            </a:schemeClr>
+          </a:lnRef>
+          <a:fillRef idx="1">
+            <a:schemeClr val="accent1"/>
+          </a:fillRef>
+          <a:effectRef idx="0">
+            <a:schemeClr val="accent1"/>
+          </a:effectRef>
+          <a:fontRef idx="minor">
+            <a:schemeClr val="lt1"/>
+          </a:fontRef>
+        </p:style>
+        <p:txBody>
+          <a:bodyPr rtlCol="0" anchor="ctr"/>
+          <a:lstStyle/>
+          <a:p>
+            <a:pPr algn="ctr"/>
+            <a:r>
+              <a:rPr lang="en-US" altLang="ko-KR" dirty="0">
+                <a:solidFill>
+                  <a:sysClr val="windowText" lastClr="000000"/>
+                </a:solidFill>
+              </a:rPr>
+              <a:t>Assumption</a:t>
+            </a:r>
+            <a:r>
+              <a:rPr lang="ko-KR" altLang="en-US" dirty="0">
+                <a:solidFill>
+                  <a:sysClr val="windowText" lastClr="000000"/>
+                </a:solidFill>
+              </a:rPr>
+              <a:t> </a:t>
+            </a:r>
+            <a:r>
+              <a:rPr lang="en-US" altLang="ko-KR" dirty="0">
+                <a:solidFill>
+                  <a:sysClr val="windowText" lastClr="000000"/>
+                </a:solidFill>
+              </a:rPr>
+              <a:t>of</a:t>
+            </a:r>
+            <a:r>
+              <a:rPr lang="ko-KR" altLang="en-US" dirty="0">
+                <a:solidFill>
+                  <a:sysClr val="windowText" lastClr="000000"/>
+                </a:solidFill>
+              </a:rPr>
+              <a:t> </a:t>
+            </a:r>
+            <a:r>
+              <a:rPr lang="en-US" altLang="ko-KR" dirty="0">
+                <a:solidFill>
+                  <a:sysClr val="windowText" lastClr="000000"/>
+                </a:solidFill>
+              </a:rPr>
+              <a:t>the</a:t>
+            </a:r>
+            <a:r>
+              <a:rPr lang="ko-KR" altLang="en-US" dirty="0">
+                <a:solidFill>
+                  <a:sysClr val="windowText" lastClr="000000"/>
+                </a:solidFill>
+              </a:rPr>
+              <a:t> </a:t>
+            </a:r>
+            <a:r>
+              <a:rPr lang="en-US" altLang="ko-KR" dirty="0">
+                <a:solidFill>
+                  <a:sysClr val="windowText" lastClr="000000"/>
+                </a:solidFill>
+              </a:rPr>
+              <a:t>null</a:t>
+            </a:r>
+            <a:r>
+              <a:rPr lang="ko-KR" altLang="en-US" dirty="0">
+                <a:solidFill>
+                  <a:sysClr val="windowText" lastClr="000000"/>
+                </a:solidFill>
+              </a:rPr>
+              <a:t> </a:t>
+            </a:r>
+            <a:r>
+              <a:rPr lang="en-US" altLang="ko-KR" dirty="0">
+                <a:solidFill>
+                  <a:sysClr val="windowText" lastClr="000000"/>
+                </a:solidFill>
+              </a:rPr>
+              <a:t>hypothesis</a:t>
+            </a:r>
+            <a:endParaRPr lang="ko-KR" altLang="en-US" dirty="0">
+              <a:solidFill>
+                <a:sysClr val="windowText" lastClr="000000"/>
+              </a:solidFill>
+            </a:endParaRPr>
+          </a:p>
+        </p:txBody>
+      </p:sp>
+      <p:sp>
+        <p:nvSpPr>
+          <p:cNvPr id="5" name="직사각형 4">
+            <a:extLst>
+              <a:ext uri="{FF2B5EF4-FFF2-40B4-BE49-F238E27FC236}">
+                <a16:creationId xmlns:a16="http://schemas.microsoft.com/office/drawing/2014/main" id="{1EC3D284-11EC-4B4E-950B-9AFA45C91D0D}"/>
+              </a:ext>
+            </a:extLst>
+          </p:cNvPr>
+          <p:cNvSpPr/>
+          <p:nvPr/>
+        </p:nvSpPr>
+        <p:spPr>
+          <a:xfrm>
+            <a:off x="2728452" y="2698188"/>
+            <a:ext cx="1838589" cy="1461625"/>
+          </a:xfrm>
+          <a:prstGeom prst="rect">
+            <a:avLst/>
+          </a:prstGeom>
+          <a:solidFill>
+            <a:schemeClr val="bg1"/>
+          </a:solidFill>
+          <a:ln>
+            <a:solidFill>
+              <a:schemeClr val="tx1"/>
+            </a:solidFill>
+          </a:ln>
+        </p:spPr>
+        <p:style>
+          <a:lnRef idx="2">
+            <a:schemeClr val="accent1">
+              <a:shade val="50000"/>
+            </a:schemeClr>
+          </a:lnRef>
+          <a:fillRef idx="1">
+            <a:schemeClr val="accent1"/>
+          </a:fillRef>
+          <a:effectRef idx="0">
+            <a:schemeClr val="accent1"/>
+          </a:effectRef>
+          <a:fontRef idx="minor">
+            <a:schemeClr val="lt1"/>
+          </a:fontRef>
+        </p:style>
+        <p:txBody>
+          <a:bodyPr rtlCol="0" anchor="ctr"/>
+          <a:lstStyle/>
+          <a:p>
+            <a:pPr algn="ctr"/>
+            <a:r>
+              <a:rPr lang="en-US" altLang="ko-KR" dirty="0">
+                <a:solidFill>
+                  <a:sysClr val="windowText" lastClr="000000"/>
+                </a:solidFill>
+              </a:rPr>
+              <a:t>Conducting</a:t>
+            </a:r>
+          </a:p>
+          <a:p>
+            <a:pPr algn="ctr"/>
+            <a:r>
+              <a:rPr lang="en-US" altLang="ko-KR" dirty="0">
+                <a:solidFill>
+                  <a:sysClr val="windowText" lastClr="000000"/>
+                </a:solidFill>
+              </a:rPr>
+              <a:t>an experiment</a:t>
+            </a:r>
+            <a:endParaRPr lang="ko-KR" altLang="en-US" dirty="0">
+              <a:solidFill>
+                <a:sysClr val="windowText" lastClr="000000"/>
+              </a:solidFill>
+            </a:endParaRPr>
+          </a:p>
+        </p:txBody>
+      </p:sp>
+      <p:sp>
+        <p:nvSpPr>
+          <p:cNvPr id="6" name="직사각형 5">
+            <a:extLst>
+              <a:ext uri="{FF2B5EF4-FFF2-40B4-BE49-F238E27FC236}">
+                <a16:creationId xmlns:a16="http://schemas.microsoft.com/office/drawing/2014/main" id="{6D4D814B-FC4C-4AE4-B0E0-AE610F08B42C}"/>
+              </a:ext>
+            </a:extLst>
+          </p:cNvPr>
+          <p:cNvSpPr/>
+          <p:nvPr/>
+        </p:nvSpPr>
+        <p:spPr>
+          <a:xfrm>
+            <a:off x="5176706" y="2698188"/>
+            <a:ext cx="1838589" cy="1461625"/>
+          </a:xfrm>
+          <a:prstGeom prst="rect">
+            <a:avLst/>
+          </a:prstGeom>
+          <a:solidFill>
+            <a:schemeClr val="bg1"/>
+          </a:solidFill>
+          <a:ln>
+            <a:solidFill>
+              <a:schemeClr val="tx1"/>
+            </a:solidFill>
+          </a:ln>
+        </p:spPr>
+        <p:style>
+          <a:lnRef idx="2">
+            <a:schemeClr val="accent1">
+              <a:shade val="50000"/>
+            </a:schemeClr>
+          </a:lnRef>
+          <a:fillRef idx="1">
+            <a:schemeClr val="accent1"/>
+          </a:fillRef>
+          <a:effectRef idx="0">
+            <a:schemeClr val="accent1"/>
+          </a:effectRef>
+          <a:fontRef idx="minor">
+            <a:schemeClr val="lt1"/>
+          </a:fontRef>
+        </p:style>
+        <p:txBody>
+          <a:bodyPr rtlCol="0" anchor="ctr"/>
+          <a:lstStyle/>
+          <a:p>
+            <a:pPr algn="ctr"/>
+            <a:r>
+              <a:rPr lang="en-US" altLang="ko-KR" dirty="0">
+                <a:solidFill>
+                  <a:sysClr val="windowText" lastClr="000000"/>
+                </a:solidFill>
+              </a:rPr>
+              <a:t>Results are not interpretable under the null hypothesis</a:t>
+            </a:r>
+            <a:endParaRPr lang="ko-KR" altLang="en-US" dirty="0">
+              <a:solidFill>
+                <a:sysClr val="windowText" lastClr="000000"/>
+              </a:solidFill>
+            </a:endParaRPr>
+          </a:p>
+        </p:txBody>
+      </p:sp>
+      <p:sp>
+        <p:nvSpPr>
+          <p:cNvPr id="7" name="직사각형 6">
+            <a:extLst>
+              <a:ext uri="{FF2B5EF4-FFF2-40B4-BE49-F238E27FC236}">
+                <a16:creationId xmlns:a16="http://schemas.microsoft.com/office/drawing/2014/main" id="{B9253859-E497-45BE-8DF7-44062EA660DC}"/>
+              </a:ext>
+            </a:extLst>
+          </p:cNvPr>
+          <p:cNvSpPr/>
+          <p:nvPr/>
+        </p:nvSpPr>
+        <p:spPr>
+          <a:xfrm>
+            <a:off x="7624960" y="2698188"/>
+            <a:ext cx="1838589" cy="1461625"/>
+          </a:xfrm>
+          <a:prstGeom prst="rect">
+            <a:avLst/>
+          </a:prstGeom>
+          <a:solidFill>
+            <a:schemeClr val="accent4">
+              <a:lumMod val="40000"/>
+              <a:lumOff val="60000"/>
+            </a:schemeClr>
+          </a:solidFill>
+          <a:ln>
+            <a:solidFill>
+              <a:schemeClr val="tx1"/>
+            </a:solidFill>
+          </a:ln>
+        </p:spPr>
+        <p:style>
+          <a:lnRef idx="2">
+            <a:schemeClr val="accent1">
+              <a:shade val="50000"/>
+            </a:schemeClr>
+          </a:lnRef>
+          <a:fillRef idx="1">
+            <a:schemeClr val="accent1"/>
+          </a:fillRef>
+          <a:effectRef idx="0">
+            <a:schemeClr val="accent1"/>
+          </a:effectRef>
+          <a:fontRef idx="minor">
+            <a:schemeClr val="lt1"/>
+          </a:fontRef>
+        </p:style>
+        <p:txBody>
+          <a:bodyPr rtlCol="0" anchor="ctr"/>
+          <a:lstStyle/>
+          <a:p>
+            <a:pPr algn="ctr"/>
+            <a:r>
+              <a:rPr lang="en-US" altLang="ko-KR" dirty="0">
+                <a:solidFill>
+                  <a:sysClr val="windowText" lastClr="000000"/>
+                </a:solidFill>
+              </a:rPr>
+              <a:t>Rejecting Null Hypothesis</a:t>
+            </a:r>
+            <a:endParaRPr lang="ko-KR" altLang="en-US" dirty="0">
+              <a:solidFill>
+                <a:sysClr val="windowText" lastClr="000000"/>
+              </a:solidFill>
+            </a:endParaRPr>
+          </a:p>
+        </p:txBody>
+      </p:sp>
+      <p:sp>
+        <p:nvSpPr>
+          <p:cNvPr id="8" name="직사각형 7">
+            <a:extLst>
+              <a:ext uri="{FF2B5EF4-FFF2-40B4-BE49-F238E27FC236}">
+                <a16:creationId xmlns:a16="http://schemas.microsoft.com/office/drawing/2014/main" id="{F2BA4F3E-278F-4E9D-8DEB-5E4D15A79E5F}"/>
+              </a:ext>
+            </a:extLst>
+          </p:cNvPr>
+          <p:cNvSpPr/>
+          <p:nvPr/>
+        </p:nvSpPr>
+        <p:spPr>
+          <a:xfrm>
+            <a:off x="10073213" y="2698188"/>
+            <a:ext cx="1838589" cy="1461625"/>
+          </a:xfrm>
+          <a:prstGeom prst="rect">
+            <a:avLst/>
+          </a:prstGeom>
+          <a:solidFill>
+            <a:schemeClr val="bg1"/>
+          </a:solidFill>
+          <a:ln>
+            <a:solidFill>
+              <a:schemeClr val="tx1"/>
+            </a:solidFill>
+          </a:ln>
+        </p:spPr>
+        <p:style>
+          <a:lnRef idx="2">
+            <a:schemeClr val="accent1">
+              <a:shade val="50000"/>
+            </a:schemeClr>
+          </a:lnRef>
+          <a:fillRef idx="1">
+            <a:schemeClr val="accent1"/>
+          </a:fillRef>
+          <a:effectRef idx="0">
+            <a:schemeClr val="accent1"/>
+          </a:effectRef>
+          <a:fontRef idx="minor">
+            <a:schemeClr val="lt1"/>
+          </a:fontRef>
+        </p:style>
+        <p:txBody>
+          <a:bodyPr rtlCol="0" anchor="ctr"/>
+          <a:lstStyle/>
+          <a:p>
+            <a:pPr algn="ctr"/>
+            <a:r>
+              <a:rPr lang="en-US" altLang="ko-KR" dirty="0">
+                <a:solidFill>
+                  <a:sysClr val="windowText" lastClr="000000"/>
+                </a:solidFill>
+              </a:rPr>
+              <a:t>Accepting Alternative Hypothesis</a:t>
+            </a:r>
+            <a:endParaRPr lang="ko-KR" altLang="en-US" dirty="0">
+              <a:solidFill>
+                <a:sysClr val="windowText" lastClr="000000"/>
+              </a:solidFill>
+            </a:endParaRPr>
+          </a:p>
+        </p:txBody>
+      </p:sp>
+      <p:cxnSp>
+        <p:nvCxnSpPr>
+          <p:cNvPr id="14" name="직선 화살표 연결선 13">
+            <a:extLst>
+              <a:ext uri="{FF2B5EF4-FFF2-40B4-BE49-F238E27FC236}">
+                <a16:creationId xmlns:a16="http://schemas.microsoft.com/office/drawing/2014/main" id="{5970D081-786A-4428-BBF0-9CAAABB7D006}"/>
+              </a:ext>
+            </a:extLst>
+          </p:cNvPr>
+          <p:cNvCxnSpPr>
+            <a:stCxn id="4" idx="3"/>
+            <a:endCxn id="5" idx="1"/>
+          </p:cNvCxnSpPr>
+          <p:nvPr/>
+        </p:nvCxnSpPr>
+        <p:spPr>
+          <a:xfrm>
+            <a:off x="2118787" y="3429001"/>
+            <a:ext cx="609665" cy="0"/>
+          </a:xfrm>
+          <a:prstGeom prst="straightConnector1">
+            <a:avLst/>
+          </a:prstGeom>
+          <a:ln>
+            <a:solidFill>
+              <a:schemeClr val="tx1"/>
+            </a:solidFill>
+            <a:tailEnd type="triangle"/>
+          </a:ln>
+        </p:spPr>
+        <p:style>
+          <a:lnRef idx="1">
+            <a:schemeClr val="accent1"/>
+          </a:lnRef>
+          <a:fillRef idx="0">
+            <a:schemeClr val="accent1"/>
+          </a:fillRef>
+          <a:effectRef idx="0">
+            <a:schemeClr val="accent1"/>
+          </a:effectRef>
+          <a:fontRef idx="minor">
+            <a:schemeClr val="tx1"/>
+          </a:fontRef>
+        </p:style>
+      </p:cxnSp>
+      <p:cxnSp>
+        <p:nvCxnSpPr>
+          <p:cNvPr id="16" name="직선 화살표 연결선 15">
+            <a:extLst>
+              <a:ext uri="{FF2B5EF4-FFF2-40B4-BE49-F238E27FC236}">
+                <a16:creationId xmlns:a16="http://schemas.microsoft.com/office/drawing/2014/main" id="{7E449EC1-EC08-4A6D-AF60-BD602DFBCF69}"/>
+              </a:ext>
+            </a:extLst>
+          </p:cNvPr>
+          <p:cNvCxnSpPr>
+            <a:stCxn id="5" idx="3"/>
+            <a:endCxn id="6" idx="1"/>
+          </p:cNvCxnSpPr>
+          <p:nvPr/>
+        </p:nvCxnSpPr>
+        <p:spPr>
+          <a:xfrm>
+            <a:off x="4567041" y="3429001"/>
+            <a:ext cx="609665" cy="0"/>
+          </a:xfrm>
+          <a:prstGeom prst="straightConnector1">
+            <a:avLst/>
+          </a:prstGeom>
+          <a:ln>
+            <a:solidFill>
+              <a:schemeClr val="tx1"/>
+            </a:solidFill>
+            <a:tailEnd type="triangle"/>
+          </a:ln>
+        </p:spPr>
+        <p:style>
+          <a:lnRef idx="1">
+            <a:schemeClr val="accent1"/>
+          </a:lnRef>
+          <a:fillRef idx="0">
+            <a:schemeClr val="accent1"/>
+          </a:fillRef>
+          <a:effectRef idx="0">
+            <a:schemeClr val="accent1"/>
+          </a:effectRef>
+          <a:fontRef idx="minor">
+            <a:schemeClr val="tx1"/>
+          </a:fontRef>
+        </p:style>
+      </p:cxnSp>
+      <p:cxnSp>
+        <p:nvCxnSpPr>
+          <p:cNvPr id="18" name="직선 화살표 연결선 17">
+            <a:extLst>
+              <a:ext uri="{FF2B5EF4-FFF2-40B4-BE49-F238E27FC236}">
+                <a16:creationId xmlns:a16="http://schemas.microsoft.com/office/drawing/2014/main" id="{994E79EE-60DA-4181-B790-F317F2E93124}"/>
+              </a:ext>
+            </a:extLst>
+          </p:cNvPr>
+          <p:cNvCxnSpPr>
+            <a:stCxn id="6" idx="3"/>
+            <a:endCxn id="7" idx="1"/>
+          </p:cNvCxnSpPr>
+          <p:nvPr/>
+        </p:nvCxnSpPr>
+        <p:spPr>
+          <a:xfrm>
+            <a:off x="7015295" y="3429001"/>
+            <a:ext cx="609665" cy="0"/>
+          </a:xfrm>
+          <a:prstGeom prst="straightConnector1">
+            <a:avLst/>
+          </a:prstGeom>
+          <a:ln>
+            <a:solidFill>
+              <a:schemeClr val="tx1"/>
+            </a:solidFill>
+            <a:tailEnd type="triangle"/>
+          </a:ln>
+        </p:spPr>
+        <p:style>
+          <a:lnRef idx="1">
+            <a:schemeClr val="accent1"/>
+          </a:lnRef>
+          <a:fillRef idx="0">
+            <a:schemeClr val="accent1"/>
+          </a:fillRef>
+          <a:effectRef idx="0">
+            <a:schemeClr val="accent1"/>
+          </a:effectRef>
+          <a:fontRef idx="minor">
+            <a:schemeClr val="tx1"/>
+          </a:fontRef>
+        </p:style>
+      </p:cxnSp>
+      <p:cxnSp>
+        <p:nvCxnSpPr>
+          <p:cNvPr id="20" name="직선 화살표 연결선 19">
+            <a:extLst>
+              <a:ext uri="{FF2B5EF4-FFF2-40B4-BE49-F238E27FC236}">
+                <a16:creationId xmlns:a16="http://schemas.microsoft.com/office/drawing/2014/main" id="{50CA1D3F-DBB8-4485-901D-7D9198B7EF6D}"/>
+              </a:ext>
+            </a:extLst>
+          </p:cNvPr>
+          <p:cNvCxnSpPr>
+            <a:stCxn id="7" idx="3"/>
+            <a:endCxn id="8" idx="1"/>
+          </p:cNvCxnSpPr>
+          <p:nvPr/>
+        </p:nvCxnSpPr>
+        <p:spPr>
+          <a:xfrm>
+            <a:off x="9463549" y="3429001"/>
+            <a:ext cx="609664" cy="0"/>
+          </a:xfrm>
+          <a:prstGeom prst="straightConnector1">
+            <a:avLst/>
+          </a:prstGeom>
+          <a:ln>
+            <a:solidFill>
+              <a:schemeClr val="tx1"/>
+            </a:solidFill>
+            <a:tailEnd type="triangle"/>
+          </a:ln>
+        </p:spPr>
+        <p:style>
+          <a:lnRef idx="1">
+            <a:schemeClr val="accent1"/>
+          </a:lnRef>
+          <a:fillRef idx="0">
+            <a:schemeClr val="accent1"/>
+          </a:fillRef>
+          <a:effectRef idx="0">
+            <a:schemeClr val="accent1"/>
+          </a:effectRef>
+          <a:fontRef idx="minor">
+            <a:schemeClr val="tx1"/>
+          </a:fontRef>
+        </p:style>
+      </p:cxnSp>
+    </p:spTree>
+    <p:extLst>
+      <p:ext uri="{BB962C8B-B14F-4D97-AF65-F5344CB8AC3E}">
+        <p14:creationId xmlns:p14="http://schemas.microsoft.com/office/powerpoint/2010/main" val="3445728215"/>
+      </p:ext>
+    </p:extLst>
+  </p:cSld>
+  <p:clrMapOvr>
+    <a:masterClrMapping/>
+  </p:clrMapOvr>
+</p:sld>
+</file>
+
+<file path=ppt/slides/slide3.xml><?xml version="1.0" encoding="utf-8"?>
+<p:sld xmlns:a="http://schemas.openxmlformats.org/drawingml/2006/main" xmlns:r="http://schemas.openxmlformats.org/officeDocument/2006/relationships" xmlns:p="http://schemas.openxmlformats.org/presentationml/2006/main">
+  <p:cSld>
+    <p:spTree>
+      <p:nvGrpSpPr>
+        <p:cNvPr id="1" name=""/>
+        <p:cNvGrpSpPr/>
+        <p:nvPr/>
+      </p:nvGrpSpPr>
+      <p:grpSpPr>
+        <a:xfrm>
+          <a:off x="0" y="0"/>
+          <a:ext cx="0" cy="0"/>
+          <a:chOff x="0" y="0"/>
+          <a:chExt cx="0" cy="0"/>
+        </a:xfrm>
+      </p:grpSpPr>
       <p:cxnSp>
         <p:nvCxnSpPr>
           <p:cNvPr id="5" name="직선 화살표 연결선 4">
@@ -8212,8 +8836,8 @@
           </a:p>
         </p:txBody>
       </p:sp>
-      <mc:AlternateContent xmlns:mc="http://schemas.openxmlformats.org/markup-compatibility/2006">
-        <mc:Choice xmlns:a14="http://schemas.microsoft.com/office/drawing/2010/main" Requires="a14">
+      <mc:AlternateContent xmlns:mc="http://schemas.openxmlformats.org/markup-compatibility/2006" xmlns:a14="http://schemas.microsoft.com/office/drawing/2010/main">
+        <mc:Choice Requires="a14">
           <p:sp>
             <p:nvSpPr>
               <p:cNvPr id="111" name="TextBox 110">
@@ -8295,7 +8919,7 @@
             </p:txBody>
           </p:sp>
         </mc:Choice>
-        <mc:Fallback>
+        <mc:Fallback xmlns="">
           <p:sp>
             <p:nvSpPr>
               <p:cNvPr id="111" name="TextBox 110">
@@ -8340,8 +8964,8 @@
           </p:sp>
         </mc:Fallback>
       </mc:AlternateContent>
-      <mc:AlternateContent xmlns:mc="http://schemas.openxmlformats.org/markup-compatibility/2006">
-        <mc:Choice xmlns:a14="http://schemas.microsoft.com/office/drawing/2010/main" Requires="a14">
+      <mc:AlternateContent xmlns:mc="http://schemas.openxmlformats.org/markup-compatibility/2006" xmlns:a14="http://schemas.microsoft.com/office/drawing/2010/main">
+        <mc:Choice Requires="a14">
           <p:sp>
             <p:nvSpPr>
               <p:cNvPr id="112" name="TextBox 111">
@@ -8423,7 +9047,7 @@
             </p:txBody>
           </p:sp>
         </mc:Choice>
-        <mc:Fallback>
+        <mc:Fallback xmlns="">
           <p:sp>
             <p:nvSpPr>
               <p:cNvPr id="112" name="TextBox 111">
